--- a/2006/CCMP/PSI_SI_Rugosimetre/images/Figures.pptx
+++ b/2006/CCMP/PSI_SI_Rugosimetre/images/Figures.pptx
@@ -6,6 +6,7 @@
   </p:sldMasterIdLst>
   <p:sldIdLst>
     <p:sldId id="256" r:id="rId2"/>
+    <p:sldId id="257" r:id="rId3"/>
   </p:sldIdLst>
   <p:sldSz cx="12192000" cy="6858000"/>
   <p:notesSz cx="6858000" cy="9144000"/>
@@ -270,7 +271,7 @@
           <a:p>
             <a:fld id="{AEE8A38D-7B7A-476F-BC37-5B257FD47E56}" type="datetimeFigureOut">
               <a:rPr lang="fr-FR" smtClean="0"/>
-              <a:t>17/02/2022</a:t>
+              <a:t>19/02/2022</a:t>
             </a:fld>
             <a:endParaRPr lang="fr-FR"/>
           </a:p>
@@ -468,7 +469,7 @@
           <a:p>
             <a:fld id="{AEE8A38D-7B7A-476F-BC37-5B257FD47E56}" type="datetimeFigureOut">
               <a:rPr lang="fr-FR" smtClean="0"/>
-              <a:t>17/02/2022</a:t>
+              <a:t>19/02/2022</a:t>
             </a:fld>
             <a:endParaRPr lang="fr-FR"/>
           </a:p>
@@ -676,7 +677,7 @@
           <a:p>
             <a:fld id="{AEE8A38D-7B7A-476F-BC37-5B257FD47E56}" type="datetimeFigureOut">
               <a:rPr lang="fr-FR" smtClean="0"/>
-              <a:t>17/02/2022</a:t>
+              <a:t>19/02/2022</a:t>
             </a:fld>
             <a:endParaRPr lang="fr-FR"/>
           </a:p>
@@ -874,7 +875,7 @@
           <a:p>
             <a:fld id="{AEE8A38D-7B7A-476F-BC37-5B257FD47E56}" type="datetimeFigureOut">
               <a:rPr lang="fr-FR" smtClean="0"/>
-              <a:t>17/02/2022</a:t>
+              <a:t>19/02/2022</a:t>
             </a:fld>
             <a:endParaRPr lang="fr-FR"/>
           </a:p>
@@ -1149,7 +1150,7 @@
           <a:p>
             <a:fld id="{AEE8A38D-7B7A-476F-BC37-5B257FD47E56}" type="datetimeFigureOut">
               <a:rPr lang="fr-FR" smtClean="0"/>
-              <a:t>17/02/2022</a:t>
+              <a:t>19/02/2022</a:t>
             </a:fld>
             <a:endParaRPr lang="fr-FR"/>
           </a:p>
@@ -1414,7 +1415,7 @@
           <a:p>
             <a:fld id="{AEE8A38D-7B7A-476F-BC37-5B257FD47E56}" type="datetimeFigureOut">
               <a:rPr lang="fr-FR" smtClean="0"/>
-              <a:t>17/02/2022</a:t>
+              <a:t>19/02/2022</a:t>
             </a:fld>
             <a:endParaRPr lang="fr-FR"/>
           </a:p>
@@ -1826,7 +1827,7 @@
           <a:p>
             <a:fld id="{AEE8A38D-7B7A-476F-BC37-5B257FD47E56}" type="datetimeFigureOut">
               <a:rPr lang="fr-FR" smtClean="0"/>
-              <a:t>17/02/2022</a:t>
+              <a:t>19/02/2022</a:t>
             </a:fld>
             <a:endParaRPr lang="fr-FR"/>
           </a:p>
@@ -1967,7 +1968,7 @@
           <a:p>
             <a:fld id="{AEE8A38D-7B7A-476F-BC37-5B257FD47E56}" type="datetimeFigureOut">
               <a:rPr lang="fr-FR" smtClean="0"/>
-              <a:t>17/02/2022</a:t>
+              <a:t>19/02/2022</a:t>
             </a:fld>
             <a:endParaRPr lang="fr-FR"/>
           </a:p>
@@ -2080,7 +2081,7 @@
           <a:p>
             <a:fld id="{AEE8A38D-7B7A-476F-BC37-5B257FD47E56}" type="datetimeFigureOut">
               <a:rPr lang="fr-FR" smtClean="0"/>
-              <a:t>17/02/2022</a:t>
+              <a:t>19/02/2022</a:t>
             </a:fld>
             <a:endParaRPr lang="fr-FR"/>
           </a:p>
@@ -2391,7 +2392,7 @@
           <a:p>
             <a:fld id="{AEE8A38D-7B7A-476F-BC37-5B257FD47E56}" type="datetimeFigureOut">
               <a:rPr lang="fr-FR" smtClean="0"/>
-              <a:t>17/02/2022</a:t>
+              <a:t>19/02/2022</a:t>
             </a:fld>
             <a:endParaRPr lang="fr-FR"/>
           </a:p>
@@ -2679,7 +2680,7 @@
           <a:p>
             <a:fld id="{AEE8A38D-7B7A-476F-BC37-5B257FD47E56}" type="datetimeFigureOut">
               <a:rPr lang="fr-FR" smtClean="0"/>
-              <a:t>17/02/2022</a:t>
+              <a:t>19/02/2022</a:t>
             </a:fld>
             <a:endParaRPr lang="fr-FR"/>
           </a:p>
@@ -2920,7 +2921,7 @@
           <a:p>
             <a:fld id="{AEE8A38D-7B7A-476F-BC37-5B257FD47E56}" type="datetimeFigureOut">
               <a:rPr lang="fr-FR" smtClean="0"/>
-              <a:t>17/02/2022</a:t>
+              <a:t>19/02/2022</a:t>
             </a:fld>
             <a:endParaRPr lang="fr-FR"/>
           </a:p>
@@ -3732,8 +3733,8 @@
             </a:p>
           </p:txBody>
         </p:sp>
-        <mc:AlternateContent xmlns:mc="http://schemas.openxmlformats.org/markup-compatibility/2006">
-          <mc:Choice xmlns:a14="http://schemas.microsoft.com/office/drawing/2010/main" Requires="a14">
+        <mc:AlternateContent xmlns:mc="http://schemas.openxmlformats.org/markup-compatibility/2006" xmlns:a14="http://schemas.microsoft.com/office/drawing/2010/main">
+          <mc:Choice Requires="a14">
             <p:sp>
               <p:nvSpPr>
                 <p:cNvPr id="10" name="ZoneTexte 9">
@@ -3814,7 +3815,7 @@
               </p:txBody>
             </p:sp>
           </mc:Choice>
-          <mc:Fallback>
+          <mc:Fallback xmlns="">
             <p:sp>
               <p:nvSpPr>
                 <p:cNvPr id="10" name="ZoneTexte 9">
@@ -3859,8 +3860,8 @@
             </p:sp>
           </mc:Fallback>
         </mc:AlternateContent>
-        <mc:AlternateContent xmlns:mc="http://schemas.openxmlformats.org/markup-compatibility/2006">
-          <mc:Choice xmlns:a14="http://schemas.microsoft.com/office/drawing/2010/main" Requires="a14">
+        <mc:AlternateContent xmlns:mc="http://schemas.openxmlformats.org/markup-compatibility/2006" xmlns:a14="http://schemas.microsoft.com/office/drawing/2010/main">
+          <mc:Choice Requires="a14">
             <p:sp>
               <p:nvSpPr>
                 <p:cNvPr id="11" name="ZoneTexte 10">
@@ -3941,7 +3942,7 @@
               </p:txBody>
             </p:sp>
           </mc:Choice>
-          <mc:Fallback>
+          <mc:Fallback xmlns="">
             <p:sp>
               <p:nvSpPr>
                 <p:cNvPr id="11" name="ZoneTexte 10">
@@ -3986,8 +3987,8 @@
             </p:sp>
           </mc:Fallback>
         </mc:AlternateContent>
-        <mc:AlternateContent xmlns:mc="http://schemas.openxmlformats.org/markup-compatibility/2006">
-          <mc:Choice xmlns:a14="http://schemas.microsoft.com/office/drawing/2010/main" Requires="a14">
+        <mc:AlternateContent xmlns:mc="http://schemas.openxmlformats.org/markup-compatibility/2006" xmlns:a14="http://schemas.microsoft.com/office/drawing/2010/main">
+          <mc:Choice Requires="a14">
             <p:sp>
               <p:nvSpPr>
                 <p:cNvPr id="12" name="ZoneTexte 11">
@@ -4068,7 +4069,7 @@
               </p:txBody>
             </p:sp>
           </mc:Choice>
-          <mc:Fallback>
+          <mc:Fallback xmlns="">
             <p:sp>
               <p:nvSpPr>
                 <p:cNvPr id="12" name="ZoneTexte 11">
@@ -4209,8 +4210,8 @@
             </p:sp>
           </mc:Fallback>
         </mc:AlternateContent>
-        <mc:AlternateContent xmlns:mc="http://schemas.openxmlformats.org/markup-compatibility/2006">
-          <mc:Choice xmlns:a14="http://schemas.microsoft.com/office/drawing/2010/main" Requires="a14">
+        <mc:AlternateContent xmlns:mc="http://schemas.openxmlformats.org/markup-compatibility/2006" xmlns:a14="http://schemas.microsoft.com/office/drawing/2010/main">
+          <mc:Choice Requires="a14">
             <p:sp>
               <p:nvSpPr>
                 <p:cNvPr id="14" name="ZoneTexte 13">
@@ -4291,7 +4292,7 @@
               </p:txBody>
             </p:sp>
           </mc:Choice>
-          <mc:Fallback>
+          <mc:Fallback xmlns="">
             <p:sp>
               <p:nvSpPr>
                 <p:cNvPr id="14" name="ZoneTexte 13">
@@ -4336,8 +4337,8 @@
             </p:sp>
           </mc:Fallback>
         </mc:AlternateContent>
-        <mc:AlternateContent xmlns:mc="http://schemas.openxmlformats.org/markup-compatibility/2006">
-          <mc:Choice xmlns:a14="http://schemas.microsoft.com/office/drawing/2010/main" Requires="a14">
+        <mc:AlternateContent xmlns:mc="http://schemas.openxmlformats.org/markup-compatibility/2006" xmlns:a14="http://schemas.microsoft.com/office/drawing/2010/main">
+          <mc:Choice Requires="a14">
             <p:sp>
               <p:nvSpPr>
                 <p:cNvPr id="15" name="ZoneTexte 14">
@@ -4418,7 +4419,7 @@
               </p:txBody>
             </p:sp>
           </mc:Choice>
-          <mc:Fallback>
+          <mc:Fallback xmlns="">
             <p:sp>
               <p:nvSpPr>
                 <p:cNvPr id="15" name="ZoneTexte 14">
@@ -4500,6 +4501,2464 @@
     <p:extLst>
       <p:ext uri="{BB962C8B-B14F-4D97-AF65-F5344CB8AC3E}">
         <p14:creationId xmlns:p14="http://schemas.microsoft.com/office/powerpoint/2010/main" val="3295681730"/>
+      </p:ext>
+    </p:extLst>
+  </p:cSld>
+  <p:clrMapOvr>
+    <a:masterClrMapping/>
+  </p:clrMapOvr>
+</p:sld>
+</file>
+
+<file path=ppt/slides/slide2.xml><?xml version="1.0" encoding="utf-8"?>
+<p:sld xmlns:a="http://schemas.openxmlformats.org/drawingml/2006/main" xmlns:r="http://schemas.openxmlformats.org/officeDocument/2006/relationships" xmlns:p="http://schemas.openxmlformats.org/presentationml/2006/main">
+  <p:cSld>
+    <p:spTree>
+      <p:nvGrpSpPr>
+        <p:cNvPr id="1" name=""/>
+        <p:cNvGrpSpPr/>
+        <p:nvPr/>
+      </p:nvGrpSpPr>
+      <p:grpSpPr>
+        <a:xfrm>
+          <a:off x="0" y="0"/>
+          <a:ext cx="0" cy="0"/>
+          <a:chOff x="0" y="0"/>
+          <a:chExt cx="0" cy="0"/>
+        </a:xfrm>
+      </p:grpSpPr>
+      <p:sp>
+        <p:nvSpPr>
+          <p:cNvPr id="54" name="Forme libre : forme 53">
+            <a:extLst>
+              <a:ext uri="{FF2B5EF4-FFF2-40B4-BE49-F238E27FC236}">
+                <a16:creationId xmlns:a16="http://schemas.microsoft.com/office/drawing/2014/main" id="{0D615F8D-9955-4E8F-B260-CA3B65FEB333}"/>
+              </a:ext>
+            </a:extLst>
+          </p:cNvPr>
+          <p:cNvSpPr/>
+          <p:nvPr/>
+        </p:nvSpPr>
+        <p:spPr>
+          <a:xfrm>
+            <a:off x="3371774" y="5004391"/>
+            <a:ext cx="415449" cy="145926"/>
+          </a:xfrm>
+          <a:custGeom>
+            <a:avLst/>
+            <a:gdLst>
+              <a:gd name="connsiteX0" fmla="*/ 0 w 400050"/>
+              <a:gd name="connsiteY0" fmla="*/ 6350 h 134622"/>
+              <a:gd name="connsiteX1" fmla="*/ 63500 w 400050"/>
+              <a:gd name="connsiteY1" fmla="*/ 114300 h 134622"/>
+              <a:gd name="connsiteX2" fmla="*/ 203200 w 400050"/>
+              <a:gd name="connsiteY2" fmla="*/ 69850 h 134622"/>
+              <a:gd name="connsiteX3" fmla="*/ 304800 w 400050"/>
+              <a:gd name="connsiteY3" fmla="*/ 133350 h 134622"/>
+              <a:gd name="connsiteX4" fmla="*/ 400050 w 400050"/>
+              <a:gd name="connsiteY4" fmla="*/ 0 h 134622"/>
+            </a:gdLst>
+            <a:ahLst/>
+            <a:cxnLst>
+              <a:cxn ang="0">
+                <a:pos x="connsiteX0" y="connsiteY0"/>
+              </a:cxn>
+              <a:cxn ang="0">
+                <a:pos x="connsiteX1" y="connsiteY1"/>
+              </a:cxn>
+              <a:cxn ang="0">
+                <a:pos x="connsiteX2" y="connsiteY2"/>
+              </a:cxn>
+              <a:cxn ang="0">
+                <a:pos x="connsiteX3" y="connsiteY3"/>
+              </a:cxn>
+              <a:cxn ang="0">
+                <a:pos x="connsiteX4" y="connsiteY4"/>
+              </a:cxn>
+            </a:cxnLst>
+            <a:rect l="l" t="t" r="r" b="b"/>
+            <a:pathLst>
+              <a:path w="400050" h="134622">
+                <a:moveTo>
+                  <a:pt x="0" y="6350"/>
+                </a:moveTo>
+                <a:cubicBezTo>
+                  <a:pt x="14816" y="55033"/>
+                  <a:pt x="29633" y="103717"/>
+                  <a:pt x="63500" y="114300"/>
+                </a:cubicBezTo>
+                <a:cubicBezTo>
+                  <a:pt x="97367" y="124883"/>
+                  <a:pt x="162983" y="66675"/>
+                  <a:pt x="203200" y="69850"/>
+                </a:cubicBezTo>
+                <a:cubicBezTo>
+                  <a:pt x="243417" y="73025"/>
+                  <a:pt x="271992" y="144992"/>
+                  <a:pt x="304800" y="133350"/>
+                </a:cubicBezTo>
+                <a:cubicBezTo>
+                  <a:pt x="337608" y="121708"/>
+                  <a:pt x="368829" y="60854"/>
+                  <a:pt x="400050" y="0"/>
+                </a:cubicBezTo>
+              </a:path>
+            </a:pathLst>
+          </a:custGeom>
+          <a:solidFill>
+            <a:schemeClr val="bg1">
+              <a:lumMod val="85000"/>
+            </a:schemeClr>
+          </a:solidFill>
+          <a:ln w="19050">
+            <a:solidFill>
+              <a:schemeClr val="tx1"/>
+            </a:solidFill>
+          </a:ln>
+        </p:spPr>
+        <p:style>
+          <a:lnRef idx="2">
+            <a:schemeClr val="accent1">
+              <a:shade val="50000"/>
+            </a:schemeClr>
+          </a:lnRef>
+          <a:fillRef idx="1">
+            <a:schemeClr val="accent1"/>
+          </a:fillRef>
+          <a:effectRef idx="0">
+            <a:schemeClr val="accent1"/>
+          </a:effectRef>
+          <a:fontRef idx="minor">
+            <a:schemeClr val="lt1"/>
+          </a:fontRef>
+        </p:style>
+        <p:txBody>
+          <a:bodyPr rtlCol="0" anchor="ctr"/>
+          <a:lstStyle/>
+          <a:p>
+            <a:pPr algn="ctr"/>
+            <a:endParaRPr lang="fr-FR"/>
+          </a:p>
+        </p:txBody>
+      </p:sp>
+      <p:cxnSp>
+        <p:nvCxnSpPr>
+          <p:cNvPr id="10" name="Connecteur droit 9">
+            <a:extLst>
+              <a:ext uri="{FF2B5EF4-FFF2-40B4-BE49-F238E27FC236}">
+                <a16:creationId xmlns:a16="http://schemas.microsoft.com/office/drawing/2014/main" id="{A0E03DAD-6512-4B0B-8535-2CC20194A294}"/>
+              </a:ext>
+            </a:extLst>
+          </p:cNvPr>
+          <p:cNvCxnSpPr>
+            <a:cxnSpLocks/>
+          </p:cNvCxnSpPr>
+          <p:nvPr/>
+        </p:nvCxnSpPr>
+        <p:spPr>
+          <a:xfrm>
+            <a:off x="2495484" y="2691809"/>
+            <a:ext cx="1084015" cy="1884598"/>
+          </a:xfrm>
+          <a:prstGeom prst="line">
+            <a:avLst/>
+          </a:prstGeom>
+          <a:ln w="28575">
+            <a:solidFill>
+              <a:srgbClr val="C00000"/>
+            </a:solidFill>
+          </a:ln>
+        </p:spPr>
+        <p:style>
+          <a:lnRef idx="1">
+            <a:schemeClr val="accent1"/>
+          </a:lnRef>
+          <a:fillRef idx="0">
+            <a:schemeClr val="accent1"/>
+          </a:fillRef>
+          <a:effectRef idx="0">
+            <a:schemeClr val="accent1"/>
+          </a:effectRef>
+          <a:fontRef idx="minor">
+            <a:schemeClr val="tx1"/>
+          </a:fontRef>
+        </p:style>
+      </p:cxnSp>
+      <p:cxnSp>
+        <p:nvCxnSpPr>
+          <p:cNvPr id="14" name="Connecteur droit 13">
+            <a:extLst>
+              <a:ext uri="{FF2B5EF4-FFF2-40B4-BE49-F238E27FC236}">
+                <a16:creationId xmlns:a16="http://schemas.microsoft.com/office/drawing/2014/main" id="{9EDB5D37-AAA3-4811-8379-7A9D0DBD40B4}"/>
+              </a:ext>
+            </a:extLst>
+          </p:cNvPr>
+          <p:cNvCxnSpPr>
+            <a:cxnSpLocks/>
+          </p:cNvCxnSpPr>
+          <p:nvPr/>
+        </p:nvCxnSpPr>
+        <p:spPr>
+          <a:xfrm flipH="1">
+            <a:off x="3553195" y="2691809"/>
+            <a:ext cx="1110319" cy="1871331"/>
+          </a:xfrm>
+          <a:prstGeom prst="line">
+            <a:avLst/>
+          </a:prstGeom>
+          <a:ln w="28575">
+            <a:solidFill>
+              <a:srgbClr val="C00000"/>
+            </a:solidFill>
+          </a:ln>
+        </p:spPr>
+        <p:style>
+          <a:lnRef idx="1">
+            <a:schemeClr val="accent1"/>
+          </a:lnRef>
+          <a:fillRef idx="0">
+            <a:schemeClr val="accent1"/>
+          </a:fillRef>
+          <a:effectRef idx="0">
+            <a:schemeClr val="accent1"/>
+          </a:effectRef>
+          <a:fontRef idx="minor">
+            <a:schemeClr val="tx1"/>
+          </a:fontRef>
+        </p:style>
+      </p:cxnSp>
+      <p:cxnSp>
+        <p:nvCxnSpPr>
+          <p:cNvPr id="17" name="Connecteur droit 16">
+            <a:extLst>
+              <a:ext uri="{FF2B5EF4-FFF2-40B4-BE49-F238E27FC236}">
+                <a16:creationId xmlns:a16="http://schemas.microsoft.com/office/drawing/2014/main" id="{E5EC9705-6CAF-4ABD-9551-447BC621BA17}"/>
+              </a:ext>
+            </a:extLst>
+          </p:cNvPr>
+          <p:cNvCxnSpPr>
+            <a:cxnSpLocks/>
+          </p:cNvCxnSpPr>
+          <p:nvPr/>
+        </p:nvCxnSpPr>
+        <p:spPr>
+          <a:xfrm>
+            <a:off x="2495484" y="2705985"/>
+            <a:ext cx="4336057" cy="0"/>
+          </a:xfrm>
+          <a:prstGeom prst="line">
+            <a:avLst/>
+          </a:prstGeom>
+          <a:ln w="28575">
+            <a:solidFill>
+              <a:srgbClr val="C00000"/>
+            </a:solidFill>
+          </a:ln>
+        </p:spPr>
+        <p:style>
+          <a:lnRef idx="1">
+            <a:schemeClr val="accent1"/>
+          </a:lnRef>
+          <a:fillRef idx="0">
+            <a:schemeClr val="accent1"/>
+          </a:fillRef>
+          <a:effectRef idx="0">
+            <a:schemeClr val="accent1"/>
+          </a:effectRef>
+          <a:fontRef idx="minor">
+            <a:schemeClr val="tx1"/>
+          </a:fontRef>
+        </p:style>
+      </p:cxnSp>
+      <p:sp>
+        <p:nvSpPr>
+          <p:cNvPr id="4" name="Ellipse 3">
+            <a:extLst>
+              <a:ext uri="{FF2B5EF4-FFF2-40B4-BE49-F238E27FC236}">
+                <a16:creationId xmlns:a16="http://schemas.microsoft.com/office/drawing/2014/main" id="{140D0F64-3C5F-4E55-B67B-FDAB095CE119}"/>
+              </a:ext>
+            </a:extLst>
+          </p:cNvPr>
+          <p:cNvSpPr/>
+          <p:nvPr/>
+        </p:nvSpPr>
+        <p:spPr>
+          <a:xfrm>
+            <a:off x="2315873" y="2512195"/>
+            <a:ext cx="359228" cy="359228"/>
+          </a:xfrm>
+          <a:prstGeom prst="ellipse">
+            <a:avLst/>
+          </a:prstGeom>
+          <a:solidFill>
+            <a:schemeClr val="bg1"/>
+          </a:solidFill>
+          <a:ln w="19050">
+            <a:solidFill>
+              <a:srgbClr val="C00000"/>
+            </a:solidFill>
+          </a:ln>
+        </p:spPr>
+        <p:style>
+          <a:lnRef idx="2">
+            <a:schemeClr val="accent1">
+              <a:shade val="50000"/>
+            </a:schemeClr>
+          </a:lnRef>
+          <a:fillRef idx="1">
+            <a:schemeClr val="accent1"/>
+          </a:fillRef>
+          <a:effectRef idx="0">
+            <a:schemeClr val="accent1"/>
+          </a:effectRef>
+          <a:fontRef idx="minor">
+            <a:schemeClr val="lt1"/>
+          </a:fontRef>
+        </p:style>
+        <p:txBody>
+          <a:bodyPr lIns="0" tIns="0" rIns="0" bIns="0" rtlCol="0" anchor="ctr"/>
+          <a:lstStyle/>
+          <a:p>
+            <a:pPr algn="ctr"/>
+            <a:r>
+              <a:rPr lang="fr-FR" b="1" dirty="0">
+                <a:solidFill>
+                  <a:srgbClr val="C00000"/>
+                </a:solidFill>
+              </a:rPr>
+              <a:t>1</a:t>
+            </a:r>
+          </a:p>
+        </p:txBody>
+      </p:sp>
+      <p:sp>
+        <p:nvSpPr>
+          <p:cNvPr id="5" name="Ellipse 4">
+            <a:extLst>
+              <a:ext uri="{FF2B5EF4-FFF2-40B4-BE49-F238E27FC236}">
+                <a16:creationId xmlns:a16="http://schemas.microsoft.com/office/drawing/2014/main" id="{A69FB656-14FA-422A-B243-FAC350D6BCCE}"/>
+              </a:ext>
+            </a:extLst>
+          </p:cNvPr>
+          <p:cNvSpPr/>
+          <p:nvPr/>
+        </p:nvSpPr>
+        <p:spPr>
+          <a:xfrm>
+            <a:off x="4483900" y="2512195"/>
+            <a:ext cx="359228" cy="359228"/>
+          </a:xfrm>
+          <a:prstGeom prst="ellipse">
+            <a:avLst/>
+          </a:prstGeom>
+          <a:solidFill>
+            <a:schemeClr val="bg1"/>
+          </a:solidFill>
+          <a:ln w="19050">
+            <a:solidFill>
+              <a:srgbClr val="C00000"/>
+            </a:solidFill>
+          </a:ln>
+        </p:spPr>
+        <p:style>
+          <a:lnRef idx="2">
+            <a:schemeClr val="accent1">
+              <a:shade val="50000"/>
+            </a:schemeClr>
+          </a:lnRef>
+          <a:fillRef idx="1">
+            <a:schemeClr val="accent1"/>
+          </a:fillRef>
+          <a:effectRef idx="0">
+            <a:schemeClr val="accent1"/>
+          </a:effectRef>
+          <a:fontRef idx="minor">
+            <a:schemeClr val="lt1"/>
+          </a:fontRef>
+        </p:style>
+        <p:txBody>
+          <a:bodyPr lIns="0" tIns="0" rIns="0" bIns="0" rtlCol="0" anchor="ctr"/>
+          <a:lstStyle/>
+          <a:p>
+            <a:pPr algn="ctr"/>
+            <a:r>
+              <a:rPr lang="fr-FR" b="1" dirty="0">
+                <a:solidFill>
+                  <a:srgbClr val="C00000"/>
+                </a:solidFill>
+              </a:rPr>
+              <a:t>2</a:t>
+            </a:r>
+          </a:p>
+        </p:txBody>
+      </p:sp>
+      <p:sp>
+        <p:nvSpPr>
+          <p:cNvPr id="6" name="Ellipse 5">
+            <a:extLst>
+              <a:ext uri="{FF2B5EF4-FFF2-40B4-BE49-F238E27FC236}">
+                <a16:creationId xmlns:a16="http://schemas.microsoft.com/office/drawing/2014/main" id="{788D763D-BDC6-47F6-AB19-40F98F0BFDF2}"/>
+              </a:ext>
+            </a:extLst>
+          </p:cNvPr>
+          <p:cNvSpPr/>
+          <p:nvPr/>
+        </p:nvSpPr>
+        <p:spPr>
+          <a:xfrm>
+            <a:off x="6651927" y="2512195"/>
+            <a:ext cx="359228" cy="359228"/>
+          </a:xfrm>
+          <a:prstGeom prst="ellipse">
+            <a:avLst/>
+          </a:prstGeom>
+          <a:solidFill>
+            <a:schemeClr val="bg1"/>
+          </a:solidFill>
+          <a:ln w="19050">
+            <a:solidFill>
+              <a:srgbClr val="C00000"/>
+            </a:solidFill>
+          </a:ln>
+        </p:spPr>
+        <p:style>
+          <a:lnRef idx="2">
+            <a:schemeClr val="accent1">
+              <a:shade val="50000"/>
+            </a:schemeClr>
+          </a:lnRef>
+          <a:fillRef idx="1">
+            <a:schemeClr val="accent1"/>
+          </a:fillRef>
+          <a:effectRef idx="0">
+            <a:schemeClr val="accent1"/>
+          </a:effectRef>
+          <a:fontRef idx="minor">
+            <a:schemeClr val="lt1"/>
+          </a:fontRef>
+        </p:style>
+        <p:txBody>
+          <a:bodyPr lIns="0" tIns="0" rIns="0" bIns="0" rtlCol="0" anchor="ctr"/>
+          <a:lstStyle/>
+          <a:p>
+            <a:pPr algn="ctr"/>
+            <a:r>
+              <a:rPr lang="fr-FR" b="1" dirty="0">
+                <a:solidFill>
+                  <a:srgbClr val="C00000"/>
+                </a:solidFill>
+              </a:rPr>
+              <a:t>3</a:t>
+            </a:r>
+          </a:p>
+        </p:txBody>
+      </p:sp>
+      <p:sp>
+        <p:nvSpPr>
+          <p:cNvPr id="7" name="Ellipse 6">
+            <a:extLst>
+              <a:ext uri="{FF2B5EF4-FFF2-40B4-BE49-F238E27FC236}">
+                <a16:creationId xmlns:a16="http://schemas.microsoft.com/office/drawing/2014/main" id="{CF698125-AB0B-4063-847C-2B6A4B95C831}"/>
+              </a:ext>
+            </a:extLst>
+          </p:cNvPr>
+          <p:cNvSpPr/>
+          <p:nvPr/>
+        </p:nvSpPr>
+        <p:spPr>
+          <a:xfrm>
+            <a:off x="3399885" y="4396793"/>
+            <a:ext cx="359228" cy="359228"/>
+          </a:xfrm>
+          <a:prstGeom prst="ellipse">
+            <a:avLst/>
+          </a:prstGeom>
+          <a:solidFill>
+            <a:schemeClr val="bg1"/>
+          </a:solidFill>
+          <a:ln w="19050">
+            <a:solidFill>
+              <a:schemeClr val="tx1"/>
+            </a:solidFill>
+          </a:ln>
+        </p:spPr>
+        <p:style>
+          <a:lnRef idx="2">
+            <a:schemeClr val="accent1">
+              <a:shade val="50000"/>
+            </a:schemeClr>
+          </a:lnRef>
+          <a:fillRef idx="1">
+            <a:schemeClr val="accent1"/>
+          </a:fillRef>
+          <a:effectRef idx="0">
+            <a:schemeClr val="accent1"/>
+          </a:effectRef>
+          <a:fontRef idx="minor">
+            <a:schemeClr val="lt1"/>
+          </a:fontRef>
+        </p:style>
+        <p:txBody>
+          <a:bodyPr lIns="0" tIns="0" rIns="0" bIns="0" rtlCol="0" anchor="ctr"/>
+          <a:lstStyle/>
+          <a:p>
+            <a:pPr algn="ctr"/>
+            <a:r>
+              <a:rPr lang="fr-FR" b="1" dirty="0">
+                <a:solidFill>
+                  <a:schemeClr val="tx1"/>
+                </a:solidFill>
+              </a:rPr>
+              <a:t>0</a:t>
+            </a:r>
+          </a:p>
+        </p:txBody>
+      </p:sp>
+      <p:cxnSp>
+        <p:nvCxnSpPr>
+          <p:cNvPr id="39" name="Connecteur droit 38">
+            <a:extLst>
+              <a:ext uri="{FF2B5EF4-FFF2-40B4-BE49-F238E27FC236}">
+                <a16:creationId xmlns:a16="http://schemas.microsoft.com/office/drawing/2014/main" id="{9F44577E-53BE-47BC-97BA-19238A461DF6}"/>
+              </a:ext>
+            </a:extLst>
+          </p:cNvPr>
+          <p:cNvCxnSpPr>
+            <a:cxnSpLocks/>
+            <a:endCxn id="7" idx="4"/>
+          </p:cNvCxnSpPr>
+          <p:nvPr/>
+        </p:nvCxnSpPr>
+        <p:spPr>
+          <a:xfrm flipV="1">
+            <a:off x="3579499" y="4756021"/>
+            <a:ext cx="0" cy="248370"/>
+          </a:xfrm>
+          <a:prstGeom prst="line">
+            <a:avLst/>
+          </a:prstGeom>
+          <a:ln w="28575">
+            <a:solidFill>
+              <a:schemeClr val="tx1"/>
+            </a:solidFill>
+          </a:ln>
+        </p:spPr>
+        <p:style>
+          <a:lnRef idx="1">
+            <a:schemeClr val="accent1"/>
+          </a:lnRef>
+          <a:fillRef idx="0">
+            <a:schemeClr val="accent1"/>
+          </a:fillRef>
+          <a:effectRef idx="0">
+            <a:schemeClr val="accent1"/>
+          </a:effectRef>
+          <a:fontRef idx="minor">
+            <a:schemeClr val="tx1"/>
+          </a:fontRef>
+        </p:style>
+      </p:cxnSp>
+      <p:cxnSp>
+        <p:nvCxnSpPr>
+          <p:cNvPr id="42" name="Connecteur droit 41">
+            <a:extLst>
+              <a:ext uri="{FF2B5EF4-FFF2-40B4-BE49-F238E27FC236}">
+                <a16:creationId xmlns:a16="http://schemas.microsoft.com/office/drawing/2014/main" id="{4E1A30B6-8D42-4C56-9E1D-615A3C3D65EF}"/>
+              </a:ext>
+            </a:extLst>
+          </p:cNvPr>
+          <p:cNvCxnSpPr>
+            <a:cxnSpLocks/>
+          </p:cNvCxnSpPr>
+          <p:nvPr/>
+        </p:nvCxnSpPr>
+        <p:spPr>
+          <a:xfrm flipH="1">
+            <a:off x="3308283" y="5004391"/>
+            <a:ext cx="542432" cy="0"/>
+          </a:xfrm>
+          <a:prstGeom prst="line">
+            <a:avLst/>
+          </a:prstGeom>
+          <a:ln w="28575">
+            <a:solidFill>
+              <a:schemeClr val="tx1"/>
+            </a:solidFill>
+          </a:ln>
+        </p:spPr>
+        <p:style>
+          <a:lnRef idx="1">
+            <a:schemeClr val="accent1"/>
+          </a:lnRef>
+          <a:fillRef idx="0">
+            <a:schemeClr val="accent1"/>
+          </a:fillRef>
+          <a:effectRef idx="0">
+            <a:schemeClr val="accent1"/>
+          </a:effectRef>
+          <a:fontRef idx="minor">
+            <a:schemeClr val="tx1"/>
+          </a:fontRef>
+        </p:style>
+      </p:cxnSp>
+      <p:sp>
+        <p:nvSpPr>
+          <p:cNvPr id="57" name="Éclair 56">
+            <a:extLst>
+              <a:ext uri="{FF2B5EF4-FFF2-40B4-BE49-F238E27FC236}">
+                <a16:creationId xmlns:a16="http://schemas.microsoft.com/office/drawing/2014/main" id="{019B2017-C532-4652-8D74-6DD7A257A6AF}"/>
+              </a:ext>
+            </a:extLst>
+          </p:cNvPr>
+          <p:cNvSpPr/>
+          <p:nvPr/>
+        </p:nvSpPr>
+        <p:spPr>
+          <a:xfrm rot="8816214" flipH="1">
+            <a:off x="2240260" y="3018022"/>
+            <a:ext cx="330836" cy="330836"/>
+          </a:xfrm>
+          <a:prstGeom prst="lightningBolt">
+            <a:avLst/>
+          </a:prstGeom>
+          <a:solidFill>
+            <a:srgbClr val="FFC000"/>
+          </a:solidFill>
+          <a:ln w="19050">
+            <a:solidFill>
+              <a:srgbClr val="C00000"/>
+            </a:solidFill>
+          </a:ln>
+        </p:spPr>
+        <p:style>
+          <a:lnRef idx="2">
+            <a:schemeClr val="accent1">
+              <a:shade val="50000"/>
+            </a:schemeClr>
+          </a:lnRef>
+          <a:fillRef idx="1">
+            <a:schemeClr val="accent1"/>
+          </a:fillRef>
+          <a:effectRef idx="0">
+            <a:schemeClr val="accent1"/>
+          </a:effectRef>
+          <a:fontRef idx="minor">
+            <a:schemeClr val="lt1"/>
+          </a:fontRef>
+        </p:style>
+        <p:txBody>
+          <a:bodyPr rtlCol="0" anchor="ctr"/>
+          <a:lstStyle/>
+          <a:p>
+            <a:pPr algn="ctr"/>
+            <a:endParaRPr lang="fr-FR"/>
+          </a:p>
+        </p:txBody>
+      </p:sp>
+      <p:sp>
+        <p:nvSpPr>
+          <p:cNvPr id="58" name="Éclair 57">
+            <a:extLst>
+              <a:ext uri="{FF2B5EF4-FFF2-40B4-BE49-F238E27FC236}">
+                <a16:creationId xmlns:a16="http://schemas.microsoft.com/office/drawing/2014/main" id="{6643B3E2-C5E1-4F4A-98E9-F89694DC0BB5}"/>
+              </a:ext>
+            </a:extLst>
+          </p:cNvPr>
+          <p:cNvSpPr/>
+          <p:nvPr/>
+        </p:nvSpPr>
+        <p:spPr>
+          <a:xfrm rot="9711988" flipH="1" flipV="1">
+            <a:off x="2948730" y="4292110"/>
+            <a:ext cx="330836" cy="330836"/>
+          </a:xfrm>
+          <a:prstGeom prst="lightningBolt">
+            <a:avLst/>
+          </a:prstGeom>
+          <a:solidFill>
+            <a:srgbClr val="FFC000"/>
+          </a:solidFill>
+          <a:ln w="19050">
+            <a:solidFill>
+              <a:srgbClr val="C00000"/>
+            </a:solidFill>
+          </a:ln>
+        </p:spPr>
+        <p:style>
+          <a:lnRef idx="2">
+            <a:schemeClr val="accent1">
+              <a:shade val="50000"/>
+            </a:schemeClr>
+          </a:lnRef>
+          <a:fillRef idx="1">
+            <a:schemeClr val="accent1"/>
+          </a:fillRef>
+          <a:effectRef idx="0">
+            <a:schemeClr val="accent1"/>
+          </a:effectRef>
+          <a:fontRef idx="minor">
+            <a:schemeClr val="lt1"/>
+          </a:fontRef>
+        </p:style>
+        <p:txBody>
+          <a:bodyPr rtlCol="0" anchor="ctr"/>
+          <a:lstStyle/>
+          <a:p>
+            <a:pPr algn="ctr"/>
+            <a:endParaRPr lang="fr-FR"/>
+          </a:p>
+        </p:txBody>
+      </p:sp>
+      <mc:AlternateContent xmlns:mc="http://schemas.openxmlformats.org/markup-compatibility/2006">
+        <mc:Choice xmlns:a14="http://schemas.microsoft.com/office/drawing/2010/main" Requires="a14">
+          <p:sp>
+            <p:nvSpPr>
+              <p:cNvPr id="59" name="ZoneTexte 58">
+                <a:extLst>
+                  <a:ext uri="{FF2B5EF4-FFF2-40B4-BE49-F238E27FC236}">
+                    <a16:creationId xmlns:a16="http://schemas.microsoft.com/office/drawing/2014/main" id="{2005CF51-6276-40A7-AAEE-2BA23956585D}"/>
+                  </a:ext>
+                </a:extLst>
+              </p:cNvPr>
+              <p:cNvSpPr txBox="1"/>
+              <p:nvPr/>
+            </p:nvSpPr>
+            <p:spPr>
+              <a:xfrm>
+                <a:off x="1653466" y="3040892"/>
+                <a:ext cx="626325" cy="404791"/>
+              </a:xfrm>
+              <a:prstGeom prst="rect">
+                <a:avLst/>
+              </a:prstGeom>
+              <a:noFill/>
+            </p:spPr>
+            <p:txBody>
+              <a:bodyPr wrap="none" rtlCol="0">
+                <a:spAutoFit/>
+              </a:bodyPr>
+              <a:lstStyle/>
+              <a:p>
+                <a14:m>
+                  <m:oMathPara xmlns:m="http://schemas.openxmlformats.org/officeDocument/2006/math">
+                    <m:oMathParaPr>
+                      <m:jc m:val="centerGroup"/>
+                    </m:oMathParaPr>
+                    <m:oMath xmlns:m="http://schemas.openxmlformats.org/officeDocument/2006/math">
+                      <m:acc>
+                        <m:accPr>
+                          <m:chr m:val="⃗"/>
+                          <m:ctrlPr>
+                            <a:rPr lang="fr-FR" b="0" i="1" smtClean="0">
+                              <a:latin typeface="Cambria Math" panose="02040503050406030204" pitchFamily="18" charset="0"/>
+                            </a:rPr>
+                          </m:ctrlPr>
+                        </m:accPr>
+                        <m:e>
+                          <m:sSub>
+                            <m:sSubPr>
+                              <m:ctrlPr>
+                                <a:rPr lang="fr-FR" i="1">
+                                  <a:latin typeface="Cambria Math" panose="02040503050406030204" pitchFamily="18" charset="0"/>
+                                </a:rPr>
+                              </m:ctrlPr>
+                            </m:sSubPr>
+                            <m:e>
+                              <m:r>
+                                <a:rPr lang="fr-FR" i="1">
+                                  <a:latin typeface="Cambria Math" panose="02040503050406030204" pitchFamily="18" charset="0"/>
+                                </a:rPr>
+                                <m:t>𝐶</m:t>
+                              </m:r>
+                            </m:e>
+                            <m:sub>
+                              <m:r>
+                                <a:rPr lang="fr-FR" i="1">
+                                  <a:latin typeface="Cambria Math" panose="02040503050406030204" pitchFamily="18" charset="0"/>
+                                </a:rPr>
+                                <m:t>𝑚</m:t>
+                              </m:r>
+                              <m:r>
+                                <a:rPr lang="fr-FR" i="1">
+                                  <a:latin typeface="Cambria Math" panose="02040503050406030204" pitchFamily="18" charset="0"/>
+                                </a:rPr>
+                                <m:t>1</m:t>
+                              </m:r>
+                            </m:sub>
+                          </m:sSub>
+                        </m:e>
+                      </m:acc>
+                    </m:oMath>
+                  </m:oMathPara>
+                </a14:m>
+                <a:endParaRPr lang="fr-FR" dirty="0"/>
+              </a:p>
+            </p:txBody>
+          </p:sp>
+        </mc:Choice>
+        <mc:Fallback>
+          <p:sp>
+            <p:nvSpPr>
+              <p:cNvPr id="59" name="ZoneTexte 58">
+                <a:extLst>
+                  <a:ext uri="{FF2B5EF4-FFF2-40B4-BE49-F238E27FC236}">
+                    <a16:creationId xmlns:a16="http://schemas.microsoft.com/office/drawing/2014/main" id="{2005CF51-6276-40A7-AAEE-2BA23956585D}"/>
+                  </a:ext>
+                </a:extLst>
+              </p:cNvPr>
+              <p:cNvSpPr txBox="1">
+                <a:spLocks noRot="1" noChangeAspect="1" noMove="1" noResize="1" noEditPoints="1" noAdjustHandles="1" noChangeArrowheads="1" noChangeShapeType="1" noTextEdit="1"/>
+              </p:cNvSpPr>
+              <p:nvPr/>
+            </p:nvSpPr>
+            <p:spPr>
+              <a:xfrm>
+                <a:off x="1653466" y="3040892"/>
+                <a:ext cx="626325" cy="404791"/>
+              </a:xfrm>
+              <a:prstGeom prst="rect">
+                <a:avLst/>
+              </a:prstGeom>
+              <a:blipFill>
+                <a:blip r:embed="rId2"/>
+                <a:stretch>
+                  <a:fillRect/>
+                </a:stretch>
+              </a:blipFill>
+            </p:spPr>
+            <p:txBody>
+              <a:bodyPr/>
+              <a:lstStyle/>
+              <a:p>
+                <a:r>
+                  <a:rPr lang="fr-FR">
+                    <a:noFill/>
+                  </a:rPr>
+                  <a:t> </a:t>
+                </a:r>
+              </a:p>
+            </p:txBody>
+          </p:sp>
+        </mc:Fallback>
+      </mc:AlternateContent>
+      <mc:AlternateContent xmlns:mc="http://schemas.openxmlformats.org/markup-compatibility/2006">
+        <mc:Choice xmlns:a14="http://schemas.microsoft.com/office/drawing/2010/main" Requires="a14">
+          <p:sp>
+            <p:nvSpPr>
+              <p:cNvPr id="60" name="ZoneTexte 59">
+                <a:extLst>
+                  <a:ext uri="{FF2B5EF4-FFF2-40B4-BE49-F238E27FC236}">
+                    <a16:creationId xmlns:a16="http://schemas.microsoft.com/office/drawing/2014/main" id="{699B8459-DA22-4B72-BB7B-51D72FD51D44}"/>
+                  </a:ext>
+                </a:extLst>
+              </p:cNvPr>
+              <p:cNvSpPr txBox="1"/>
+              <p:nvPr/>
+            </p:nvSpPr>
+            <p:spPr>
+              <a:xfrm>
+                <a:off x="2432958" y="4522569"/>
+                <a:ext cx="799450" cy="404791"/>
+              </a:xfrm>
+              <a:prstGeom prst="rect">
+                <a:avLst/>
+              </a:prstGeom>
+              <a:noFill/>
+            </p:spPr>
+            <p:txBody>
+              <a:bodyPr wrap="none" rtlCol="0">
+                <a:spAutoFit/>
+              </a:bodyPr>
+              <a:lstStyle/>
+              <a:p>
+                <a14:m>
+                  <m:oMathPara xmlns:m="http://schemas.openxmlformats.org/officeDocument/2006/math">
+                    <m:oMathParaPr>
+                      <m:jc m:val="centerGroup"/>
+                    </m:oMathParaPr>
+                    <m:oMath xmlns:m="http://schemas.openxmlformats.org/officeDocument/2006/math">
+                      <m:r>
+                        <a:rPr lang="fr-FR" b="0" i="1" smtClean="0">
+                          <a:latin typeface="Cambria Math" panose="02040503050406030204" pitchFamily="18" charset="0"/>
+                        </a:rPr>
+                        <m:t>−</m:t>
+                      </m:r>
+                      <m:acc>
+                        <m:accPr>
+                          <m:chr m:val="⃗"/>
+                          <m:ctrlPr>
+                            <a:rPr lang="fr-FR" b="0" i="1" smtClean="0">
+                              <a:latin typeface="Cambria Math" panose="02040503050406030204" pitchFamily="18" charset="0"/>
+                            </a:rPr>
+                          </m:ctrlPr>
+                        </m:accPr>
+                        <m:e>
+                          <m:sSub>
+                            <m:sSubPr>
+                              <m:ctrlPr>
+                                <a:rPr lang="fr-FR" i="1">
+                                  <a:latin typeface="Cambria Math" panose="02040503050406030204" pitchFamily="18" charset="0"/>
+                                </a:rPr>
+                              </m:ctrlPr>
+                            </m:sSubPr>
+                            <m:e>
+                              <m:r>
+                                <a:rPr lang="fr-FR" i="1">
+                                  <a:latin typeface="Cambria Math" panose="02040503050406030204" pitchFamily="18" charset="0"/>
+                                </a:rPr>
+                                <m:t>𝐶</m:t>
+                              </m:r>
+                            </m:e>
+                            <m:sub>
+                              <m:r>
+                                <a:rPr lang="fr-FR" i="1">
+                                  <a:latin typeface="Cambria Math" panose="02040503050406030204" pitchFamily="18" charset="0"/>
+                                </a:rPr>
+                                <m:t>𝑚</m:t>
+                              </m:r>
+                              <m:r>
+                                <a:rPr lang="fr-FR" i="1">
+                                  <a:latin typeface="Cambria Math" panose="02040503050406030204" pitchFamily="18" charset="0"/>
+                                </a:rPr>
+                                <m:t>1</m:t>
+                              </m:r>
+                            </m:sub>
+                          </m:sSub>
+                        </m:e>
+                      </m:acc>
+                    </m:oMath>
+                  </m:oMathPara>
+                </a14:m>
+                <a:endParaRPr lang="fr-FR" dirty="0"/>
+              </a:p>
+            </p:txBody>
+          </p:sp>
+        </mc:Choice>
+        <mc:Fallback>
+          <p:sp>
+            <p:nvSpPr>
+              <p:cNvPr id="60" name="ZoneTexte 59">
+                <a:extLst>
+                  <a:ext uri="{FF2B5EF4-FFF2-40B4-BE49-F238E27FC236}">
+                    <a16:creationId xmlns:a16="http://schemas.microsoft.com/office/drawing/2014/main" id="{699B8459-DA22-4B72-BB7B-51D72FD51D44}"/>
+                  </a:ext>
+                </a:extLst>
+              </p:cNvPr>
+              <p:cNvSpPr txBox="1">
+                <a:spLocks noRot="1" noChangeAspect="1" noMove="1" noResize="1" noEditPoints="1" noAdjustHandles="1" noChangeArrowheads="1" noChangeShapeType="1" noTextEdit="1"/>
+              </p:cNvSpPr>
+              <p:nvPr/>
+            </p:nvSpPr>
+            <p:spPr>
+              <a:xfrm>
+                <a:off x="2432958" y="4522569"/>
+                <a:ext cx="799450" cy="404791"/>
+              </a:xfrm>
+              <a:prstGeom prst="rect">
+                <a:avLst/>
+              </a:prstGeom>
+              <a:blipFill>
+                <a:blip r:embed="rId3"/>
+                <a:stretch>
+                  <a:fillRect/>
+                </a:stretch>
+              </a:blipFill>
+            </p:spPr>
+            <p:txBody>
+              <a:bodyPr/>
+              <a:lstStyle/>
+              <a:p>
+                <a:r>
+                  <a:rPr lang="fr-FR">
+                    <a:noFill/>
+                  </a:rPr>
+                  <a:t> </a:t>
+                </a:r>
+              </a:p>
+            </p:txBody>
+          </p:sp>
+        </mc:Fallback>
+      </mc:AlternateContent>
+      <mc:AlternateContent xmlns:mc="http://schemas.openxmlformats.org/markup-compatibility/2006">
+        <mc:Choice xmlns:a14="http://schemas.microsoft.com/office/drawing/2010/main" Requires="a14">
+          <p:sp>
+            <p:nvSpPr>
+              <p:cNvPr id="61" name="ZoneTexte 60">
+                <a:extLst>
+                  <a:ext uri="{FF2B5EF4-FFF2-40B4-BE49-F238E27FC236}">
+                    <a16:creationId xmlns:a16="http://schemas.microsoft.com/office/drawing/2014/main" id="{4F33CE46-F3AD-4297-AA48-F0B68CE81580}"/>
+                  </a:ext>
+                </a:extLst>
+              </p:cNvPr>
+              <p:cNvSpPr txBox="1"/>
+              <p:nvPr/>
+            </p:nvSpPr>
+            <p:spPr>
+              <a:xfrm>
+                <a:off x="1271629" y="3588759"/>
+                <a:ext cx="1765868" cy="523220"/>
+              </a:xfrm>
+              <a:prstGeom prst="rect">
+                <a:avLst/>
+              </a:prstGeom>
+              <a:noFill/>
+            </p:spPr>
+            <p:txBody>
+              <a:bodyPr wrap="none" rtlCol="0">
+                <a:spAutoFit/>
+              </a:bodyPr>
+              <a:lstStyle/>
+              <a:p>
+                <a:pPr algn="ctr"/>
+                <a:r>
+                  <a:rPr lang="fr-FR" sz="1400" dirty="0"/>
+                  <a:t>Pivot avec frottement</a:t>
+                </a:r>
+              </a:p>
+              <a:p>
+                <a:pPr algn="ctr"/>
+                <a:r>
+                  <a:rPr lang="fr-FR" sz="1400" dirty="0"/>
+                  <a:t>Axe </a:t>
+                </a:r>
+                <a14:m>
+                  <m:oMath xmlns:m="http://schemas.openxmlformats.org/officeDocument/2006/math">
+                    <m:d>
+                      <m:dPr>
+                        <m:ctrlPr>
+                          <a:rPr lang="fr-FR" sz="1400" i="1" smtClean="0">
+                            <a:latin typeface="Cambria Math" panose="02040503050406030204" pitchFamily="18" charset="0"/>
+                          </a:rPr>
+                        </m:ctrlPr>
+                      </m:dPr>
+                      <m:e>
+                        <m:r>
+                          <a:rPr lang="fr-FR" sz="1400" b="0" i="1" smtClean="0">
+                            <a:latin typeface="Cambria Math" panose="02040503050406030204" pitchFamily="18" charset="0"/>
+                          </a:rPr>
+                          <m:t>𝑂</m:t>
+                        </m:r>
+                        <m:r>
+                          <a:rPr lang="fr-FR" sz="1400" b="0" i="1" smtClean="0">
+                            <a:latin typeface="Cambria Math" panose="02040503050406030204" pitchFamily="18" charset="0"/>
+                          </a:rPr>
+                          <m:t>,</m:t>
+                        </m:r>
+                        <m:acc>
+                          <m:accPr>
+                            <m:chr m:val="⃗"/>
+                            <m:ctrlPr>
+                              <a:rPr lang="fr-FR" sz="1400" b="0" i="1" smtClean="0">
+                                <a:latin typeface="Cambria Math" panose="02040503050406030204" pitchFamily="18" charset="0"/>
+                              </a:rPr>
+                            </m:ctrlPr>
+                          </m:accPr>
+                          <m:e>
+                            <m:sSub>
+                              <m:sSubPr>
+                                <m:ctrlPr>
+                                  <a:rPr lang="fr-FR" sz="1400" b="0" i="1" smtClean="0">
+                                    <a:latin typeface="Cambria Math" panose="02040503050406030204" pitchFamily="18" charset="0"/>
+                                  </a:rPr>
+                                </m:ctrlPr>
+                              </m:sSubPr>
+                              <m:e>
+                                <m:r>
+                                  <a:rPr lang="fr-FR" sz="1400" b="0" i="1" smtClean="0">
+                                    <a:latin typeface="Cambria Math" panose="02040503050406030204" pitchFamily="18" charset="0"/>
+                                  </a:rPr>
+                                  <m:t>𝑥</m:t>
+                                </m:r>
+                              </m:e>
+                              <m:sub>
+                                <m:r>
+                                  <a:rPr lang="fr-FR" sz="1400" b="0" i="1" smtClean="0">
+                                    <a:latin typeface="Cambria Math" panose="02040503050406030204" pitchFamily="18" charset="0"/>
+                                  </a:rPr>
+                                  <m:t>0</m:t>
+                                </m:r>
+                              </m:sub>
+                            </m:sSub>
+                          </m:e>
+                        </m:acc>
+                      </m:e>
+                    </m:d>
+                  </m:oMath>
+                </a14:m>
+                <a:endParaRPr lang="fr-FR" sz="1400" dirty="0"/>
+              </a:p>
+            </p:txBody>
+          </p:sp>
+        </mc:Choice>
+        <mc:Fallback>
+          <p:sp>
+            <p:nvSpPr>
+              <p:cNvPr id="61" name="ZoneTexte 60">
+                <a:extLst>
+                  <a:ext uri="{FF2B5EF4-FFF2-40B4-BE49-F238E27FC236}">
+                    <a16:creationId xmlns:a16="http://schemas.microsoft.com/office/drawing/2014/main" id="{4F33CE46-F3AD-4297-AA48-F0B68CE81580}"/>
+                  </a:ext>
+                </a:extLst>
+              </p:cNvPr>
+              <p:cNvSpPr txBox="1">
+                <a:spLocks noRot="1" noChangeAspect="1" noMove="1" noResize="1" noEditPoints="1" noAdjustHandles="1" noChangeArrowheads="1" noChangeShapeType="1" noTextEdit="1"/>
+              </p:cNvSpPr>
+              <p:nvPr/>
+            </p:nvSpPr>
+            <p:spPr>
+              <a:xfrm>
+                <a:off x="1271629" y="3588759"/>
+                <a:ext cx="1765868" cy="523220"/>
+              </a:xfrm>
+              <a:prstGeom prst="rect">
+                <a:avLst/>
+              </a:prstGeom>
+              <a:blipFill>
+                <a:blip r:embed="rId4"/>
+                <a:stretch>
+                  <a:fillRect l="-692" t="-2326" r="-692" b="-10465"/>
+                </a:stretch>
+              </a:blipFill>
+            </p:spPr>
+            <p:txBody>
+              <a:bodyPr/>
+              <a:lstStyle/>
+              <a:p>
+                <a:r>
+                  <a:rPr lang="fr-FR">
+                    <a:noFill/>
+                  </a:rPr>
+                  <a:t> </a:t>
+                </a:r>
+              </a:p>
+            </p:txBody>
+          </p:sp>
+        </mc:Fallback>
+      </mc:AlternateContent>
+      <mc:AlternateContent xmlns:mc="http://schemas.openxmlformats.org/markup-compatibility/2006">
+        <mc:Choice xmlns:a14="http://schemas.microsoft.com/office/drawing/2010/main" Requires="a14">
+          <p:sp>
+            <p:nvSpPr>
+              <p:cNvPr id="62" name="ZoneTexte 61">
+                <a:extLst>
+                  <a:ext uri="{FF2B5EF4-FFF2-40B4-BE49-F238E27FC236}">
+                    <a16:creationId xmlns:a16="http://schemas.microsoft.com/office/drawing/2014/main" id="{CB9511C4-885B-4A06-AFD8-2D4F79863ED6}"/>
+                  </a:ext>
+                </a:extLst>
+              </p:cNvPr>
+              <p:cNvSpPr txBox="1"/>
+              <p:nvPr/>
+            </p:nvSpPr>
+            <p:spPr>
+              <a:xfrm>
+                <a:off x="2762126" y="2155322"/>
+                <a:ext cx="1634743" cy="523220"/>
+              </a:xfrm>
+              <a:prstGeom prst="rect">
+                <a:avLst/>
+              </a:prstGeom>
+              <a:noFill/>
+            </p:spPr>
+            <p:txBody>
+              <a:bodyPr wrap="none" rtlCol="0">
+                <a:spAutoFit/>
+              </a:bodyPr>
+              <a:lstStyle/>
+              <a:p>
+                <a:pPr algn="ctr"/>
+                <a:r>
+                  <a:rPr lang="fr-FR" sz="1400" dirty="0"/>
+                  <a:t>Glissière hélicoïdale</a:t>
+                </a:r>
+              </a:p>
+              <a:p>
+                <a:pPr algn="ctr"/>
+                <a:r>
+                  <a:rPr lang="fr-FR" sz="1400" dirty="0"/>
+                  <a:t>Axe </a:t>
+                </a:r>
+                <a14:m>
+                  <m:oMath xmlns:m="http://schemas.openxmlformats.org/officeDocument/2006/math">
+                    <m:d>
+                      <m:dPr>
+                        <m:ctrlPr>
+                          <a:rPr lang="fr-FR" sz="1400" i="1" smtClean="0">
+                            <a:latin typeface="Cambria Math" panose="02040503050406030204" pitchFamily="18" charset="0"/>
+                          </a:rPr>
+                        </m:ctrlPr>
+                      </m:dPr>
+                      <m:e>
+                        <m:r>
+                          <a:rPr lang="fr-FR" sz="1400" b="0" i="1" smtClean="0">
+                            <a:latin typeface="Cambria Math" panose="02040503050406030204" pitchFamily="18" charset="0"/>
+                          </a:rPr>
+                          <m:t>𝑂</m:t>
+                        </m:r>
+                        <m:r>
+                          <a:rPr lang="fr-FR" sz="1400" b="0" i="1" smtClean="0">
+                            <a:latin typeface="Cambria Math" panose="02040503050406030204" pitchFamily="18" charset="0"/>
+                          </a:rPr>
+                          <m:t>,</m:t>
+                        </m:r>
+                        <m:acc>
+                          <m:accPr>
+                            <m:chr m:val="⃗"/>
+                            <m:ctrlPr>
+                              <a:rPr lang="fr-FR" sz="1400" b="0" i="1" smtClean="0">
+                                <a:latin typeface="Cambria Math" panose="02040503050406030204" pitchFamily="18" charset="0"/>
+                              </a:rPr>
+                            </m:ctrlPr>
+                          </m:accPr>
+                          <m:e>
+                            <m:sSub>
+                              <m:sSubPr>
+                                <m:ctrlPr>
+                                  <a:rPr lang="fr-FR" sz="1400" b="0" i="1" smtClean="0">
+                                    <a:latin typeface="Cambria Math" panose="02040503050406030204" pitchFamily="18" charset="0"/>
+                                  </a:rPr>
+                                </m:ctrlPr>
+                              </m:sSubPr>
+                              <m:e>
+                                <m:r>
+                                  <a:rPr lang="fr-FR" sz="1400" b="0" i="1" smtClean="0">
+                                    <a:latin typeface="Cambria Math" panose="02040503050406030204" pitchFamily="18" charset="0"/>
+                                  </a:rPr>
+                                  <m:t>𝑥</m:t>
+                                </m:r>
+                              </m:e>
+                              <m:sub>
+                                <m:r>
+                                  <a:rPr lang="fr-FR" sz="1400" b="0" i="1" smtClean="0">
+                                    <a:latin typeface="Cambria Math" panose="02040503050406030204" pitchFamily="18" charset="0"/>
+                                  </a:rPr>
+                                  <m:t>0</m:t>
+                                </m:r>
+                              </m:sub>
+                            </m:sSub>
+                          </m:e>
+                        </m:acc>
+                      </m:e>
+                    </m:d>
+                  </m:oMath>
+                </a14:m>
+                <a:endParaRPr lang="fr-FR" sz="1400" dirty="0"/>
+              </a:p>
+            </p:txBody>
+          </p:sp>
+        </mc:Choice>
+        <mc:Fallback>
+          <p:sp>
+            <p:nvSpPr>
+              <p:cNvPr id="62" name="ZoneTexte 61">
+                <a:extLst>
+                  <a:ext uri="{FF2B5EF4-FFF2-40B4-BE49-F238E27FC236}">
+                    <a16:creationId xmlns:a16="http://schemas.microsoft.com/office/drawing/2014/main" id="{CB9511C4-885B-4A06-AFD8-2D4F79863ED6}"/>
+                  </a:ext>
+                </a:extLst>
+              </p:cNvPr>
+              <p:cNvSpPr txBox="1">
+                <a:spLocks noRot="1" noChangeAspect="1" noMove="1" noResize="1" noEditPoints="1" noAdjustHandles="1" noChangeArrowheads="1" noChangeShapeType="1" noTextEdit="1"/>
+              </p:cNvSpPr>
+              <p:nvPr/>
+            </p:nvSpPr>
+            <p:spPr>
+              <a:xfrm>
+                <a:off x="2762126" y="2155322"/>
+                <a:ext cx="1634743" cy="523220"/>
+              </a:xfrm>
+              <a:prstGeom prst="rect">
+                <a:avLst/>
+              </a:prstGeom>
+              <a:blipFill>
+                <a:blip r:embed="rId5"/>
+                <a:stretch>
+                  <a:fillRect l="-373" t="-2353" r="-373" b="-11765"/>
+                </a:stretch>
+              </a:blipFill>
+            </p:spPr>
+            <p:txBody>
+              <a:bodyPr/>
+              <a:lstStyle/>
+              <a:p>
+                <a:r>
+                  <a:rPr lang="fr-FR">
+                    <a:noFill/>
+                  </a:rPr>
+                  <a:t> </a:t>
+                </a:r>
+              </a:p>
+            </p:txBody>
+          </p:sp>
+        </mc:Fallback>
+      </mc:AlternateContent>
+      <mc:AlternateContent xmlns:mc="http://schemas.openxmlformats.org/markup-compatibility/2006">
+        <mc:Choice xmlns:a14="http://schemas.microsoft.com/office/drawing/2010/main" Requires="a14">
+          <p:sp>
+            <p:nvSpPr>
+              <p:cNvPr id="63" name="ZoneTexte 62">
+                <a:extLst>
+                  <a:ext uri="{FF2B5EF4-FFF2-40B4-BE49-F238E27FC236}">
+                    <a16:creationId xmlns:a16="http://schemas.microsoft.com/office/drawing/2014/main" id="{3DCE92FD-63C9-4AA3-8D02-5F536098E4B0}"/>
+                  </a:ext>
+                </a:extLst>
+              </p:cNvPr>
+              <p:cNvSpPr txBox="1"/>
+              <p:nvPr/>
+            </p:nvSpPr>
+            <p:spPr>
+              <a:xfrm>
+                <a:off x="3787223" y="4095376"/>
+                <a:ext cx="2015232" cy="523220"/>
+              </a:xfrm>
+              <a:prstGeom prst="rect">
+                <a:avLst/>
+              </a:prstGeom>
+              <a:noFill/>
+            </p:spPr>
+            <p:txBody>
+              <a:bodyPr wrap="none" rtlCol="0">
+                <a:spAutoFit/>
+              </a:bodyPr>
+              <a:lstStyle/>
+              <a:p>
+                <a:pPr algn="ctr"/>
+                <a:r>
+                  <a:rPr lang="fr-FR" sz="1400" dirty="0"/>
+                  <a:t>Glissière avec frottement</a:t>
+                </a:r>
+              </a:p>
+              <a:p>
+                <a:pPr algn="ctr"/>
+                <a:r>
+                  <a:rPr lang="fr-FR" sz="1400" dirty="0"/>
+                  <a:t>Direction </a:t>
+                </a:r>
+                <a14:m>
+                  <m:oMath xmlns:m="http://schemas.openxmlformats.org/officeDocument/2006/math">
+                    <m:acc>
+                      <m:accPr>
+                        <m:chr m:val="⃗"/>
+                        <m:ctrlPr>
+                          <a:rPr lang="fr-FR" sz="1400" i="1">
+                            <a:latin typeface="Cambria Math" panose="02040503050406030204" pitchFamily="18" charset="0"/>
+                          </a:rPr>
+                        </m:ctrlPr>
+                      </m:accPr>
+                      <m:e>
+                        <m:sSub>
+                          <m:sSubPr>
+                            <m:ctrlPr>
+                              <a:rPr lang="fr-FR" sz="1400" i="1">
+                                <a:latin typeface="Cambria Math" panose="02040503050406030204" pitchFamily="18" charset="0"/>
+                              </a:rPr>
+                            </m:ctrlPr>
+                          </m:sSubPr>
+                          <m:e>
+                            <m:r>
+                              <a:rPr lang="fr-FR" sz="1400" i="1">
+                                <a:latin typeface="Cambria Math" panose="02040503050406030204" pitchFamily="18" charset="0"/>
+                              </a:rPr>
+                              <m:t>𝑥</m:t>
+                            </m:r>
+                          </m:e>
+                          <m:sub>
+                            <m:r>
+                              <a:rPr lang="fr-FR" sz="1400" i="1">
+                                <a:latin typeface="Cambria Math" panose="02040503050406030204" pitchFamily="18" charset="0"/>
+                              </a:rPr>
+                              <m:t>0</m:t>
+                            </m:r>
+                          </m:sub>
+                        </m:sSub>
+                      </m:e>
+                    </m:acc>
+                  </m:oMath>
+                </a14:m>
+                <a:endParaRPr lang="fr-FR" sz="1400" dirty="0"/>
+              </a:p>
+            </p:txBody>
+          </p:sp>
+        </mc:Choice>
+        <mc:Fallback>
+          <p:sp>
+            <p:nvSpPr>
+              <p:cNvPr id="63" name="ZoneTexte 62">
+                <a:extLst>
+                  <a:ext uri="{FF2B5EF4-FFF2-40B4-BE49-F238E27FC236}">
+                    <a16:creationId xmlns:a16="http://schemas.microsoft.com/office/drawing/2014/main" id="{3DCE92FD-63C9-4AA3-8D02-5F536098E4B0}"/>
+                  </a:ext>
+                </a:extLst>
+              </p:cNvPr>
+              <p:cNvSpPr txBox="1">
+                <a:spLocks noRot="1" noChangeAspect="1" noMove="1" noResize="1" noEditPoints="1" noAdjustHandles="1" noChangeArrowheads="1" noChangeShapeType="1" noTextEdit="1"/>
+              </p:cNvSpPr>
+              <p:nvPr/>
+            </p:nvSpPr>
+            <p:spPr>
+              <a:xfrm>
+                <a:off x="3787223" y="4095376"/>
+                <a:ext cx="2015232" cy="523220"/>
+              </a:xfrm>
+              <a:prstGeom prst="rect">
+                <a:avLst/>
+              </a:prstGeom>
+              <a:blipFill>
+                <a:blip r:embed="rId6"/>
+                <a:stretch>
+                  <a:fillRect l="-302" t="-2326" r="-302" b="-10465"/>
+                </a:stretch>
+              </a:blipFill>
+            </p:spPr>
+            <p:txBody>
+              <a:bodyPr/>
+              <a:lstStyle/>
+              <a:p>
+                <a:r>
+                  <a:rPr lang="fr-FR">
+                    <a:noFill/>
+                  </a:rPr>
+                  <a:t> </a:t>
+                </a:r>
+              </a:p>
+            </p:txBody>
+          </p:sp>
+        </mc:Fallback>
+      </mc:AlternateContent>
+      <mc:AlternateContent xmlns:mc="http://schemas.openxmlformats.org/markup-compatibility/2006">
+        <mc:Choice xmlns:a14="http://schemas.microsoft.com/office/drawing/2010/main" Requires="a14">
+          <p:sp>
+            <p:nvSpPr>
+              <p:cNvPr id="68" name="ZoneTexte 67">
+                <a:extLst>
+                  <a:ext uri="{FF2B5EF4-FFF2-40B4-BE49-F238E27FC236}">
+                    <a16:creationId xmlns:a16="http://schemas.microsoft.com/office/drawing/2014/main" id="{BB461A2F-A290-447C-A2EC-BB5895A19B39}"/>
+                  </a:ext>
+                </a:extLst>
+              </p:cNvPr>
+              <p:cNvSpPr txBox="1"/>
+              <p:nvPr/>
+            </p:nvSpPr>
+            <p:spPr>
+              <a:xfrm>
+                <a:off x="4862960" y="2085870"/>
+                <a:ext cx="1769139" cy="523220"/>
+              </a:xfrm>
+              <a:prstGeom prst="rect">
+                <a:avLst/>
+              </a:prstGeom>
+              <a:noFill/>
+            </p:spPr>
+            <p:txBody>
+              <a:bodyPr wrap="none" rtlCol="0">
+                <a:spAutoFit/>
+              </a:bodyPr>
+              <a:lstStyle/>
+              <a:p>
+                <a:pPr algn="ctr"/>
+                <a:r>
+                  <a:rPr lang="fr-FR" sz="1400" dirty="0"/>
+                  <a:t>Pivot avec frottement</a:t>
+                </a:r>
+              </a:p>
+              <a:p>
+                <a:pPr algn="ctr"/>
+                <a:r>
+                  <a:rPr lang="fr-FR" sz="1400" dirty="0"/>
+                  <a:t>Axe </a:t>
+                </a:r>
+                <a14:m>
+                  <m:oMath xmlns:m="http://schemas.openxmlformats.org/officeDocument/2006/math">
+                    <m:d>
+                      <m:dPr>
+                        <m:ctrlPr>
+                          <a:rPr lang="fr-FR" sz="1400" i="1" smtClean="0">
+                            <a:latin typeface="Cambria Math" panose="02040503050406030204" pitchFamily="18" charset="0"/>
+                          </a:rPr>
+                        </m:ctrlPr>
+                      </m:dPr>
+                      <m:e>
+                        <m:r>
+                          <a:rPr lang="fr-FR" sz="1400" b="0" i="1" smtClean="0">
+                            <a:latin typeface="Cambria Math" panose="02040503050406030204" pitchFamily="18" charset="0"/>
+                          </a:rPr>
+                          <m:t>𝐴</m:t>
+                        </m:r>
+                        <m:r>
+                          <a:rPr lang="fr-FR" sz="1400" b="0" i="1" smtClean="0">
+                            <a:latin typeface="Cambria Math" panose="02040503050406030204" pitchFamily="18" charset="0"/>
+                          </a:rPr>
+                          <m:t>,</m:t>
+                        </m:r>
+                        <m:acc>
+                          <m:accPr>
+                            <m:chr m:val="⃗"/>
+                            <m:ctrlPr>
+                              <a:rPr lang="fr-FR" sz="1400" b="0" i="1" smtClean="0">
+                                <a:latin typeface="Cambria Math" panose="02040503050406030204" pitchFamily="18" charset="0"/>
+                              </a:rPr>
+                            </m:ctrlPr>
+                          </m:accPr>
+                          <m:e>
+                            <m:sSub>
+                              <m:sSubPr>
+                                <m:ctrlPr>
+                                  <a:rPr lang="fr-FR" sz="1400" b="0" i="1" smtClean="0">
+                                    <a:latin typeface="Cambria Math" panose="02040503050406030204" pitchFamily="18" charset="0"/>
+                                  </a:rPr>
+                                </m:ctrlPr>
+                              </m:sSubPr>
+                              <m:e>
+                                <m:r>
+                                  <a:rPr lang="fr-FR" sz="1400" b="0" i="1" smtClean="0">
+                                    <a:latin typeface="Cambria Math" panose="02040503050406030204" pitchFamily="18" charset="0"/>
+                                  </a:rPr>
+                                  <m:t>𝑥</m:t>
+                                </m:r>
+                              </m:e>
+                              <m:sub>
+                                <m:r>
+                                  <a:rPr lang="fr-FR" sz="1400" b="0" i="1" smtClean="0">
+                                    <a:latin typeface="Cambria Math" panose="02040503050406030204" pitchFamily="18" charset="0"/>
+                                  </a:rPr>
+                                  <m:t>0</m:t>
+                                </m:r>
+                              </m:sub>
+                            </m:sSub>
+                          </m:e>
+                        </m:acc>
+                      </m:e>
+                    </m:d>
+                  </m:oMath>
+                </a14:m>
+                <a:endParaRPr lang="fr-FR" sz="1400" dirty="0"/>
+              </a:p>
+            </p:txBody>
+          </p:sp>
+        </mc:Choice>
+        <mc:Fallback>
+          <p:sp>
+            <p:nvSpPr>
+              <p:cNvPr id="68" name="ZoneTexte 67">
+                <a:extLst>
+                  <a:ext uri="{FF2B5EF4-FFF2-40B4-BE49-F238E27FC236}">
+                    <a16:creationId xmlns:a16="http://schemas.microsoft.com/office/drawing/2014/main" id="{BB461A2F-A290-447C-A2EC-BB5895A19B39}"/>
+                  </a:ext>
+                </a:extLst>
+              </p:cNvPr>
+              <p:cNvSpPr txBox="1">
+                <a:spLocks noRot="1" noChangeAspect="1" noMove="1" noResize="1" noEditPoints="1" noAdjustHandles="1" noChangeArrowheads="1" noChangeShapeType="1" noTextEdit="1"/>
+              </p:cNvSpPr>
+              <p:nvPr/>
+            </p:nvSpPr>
+            <p:spPr>
+              <a:xfrm>
+                <a:off x="4862960" y="2085870"/>
+                <a:ext cx="1769139" cy="523220"/>
+              </a:xfrm>
+              <a:prstGeom prst="rect">
+                <a:avLst/>
+              </a:prstGeom>
+              <a:blipFill>
+                <a:blip r:embed="rId7"/>
+                <a:stretch>
+                  <a:fillRect l="-690" t="-2326" r="-345" b="-11628"/>
+                </a:stretch>
+              </a:blipFill>
+            </p:spPr>
+            <p:txBody>
+              <a:bodyPr/>
+              <a:lstStyle/>
+              <a:p>
+                <a:r>
+                  <a:rPr lang="fr-FR">
+                    <a:noFill/>
+                  </a:rPr>
+                  <a:t> </a:t>
+                </a:r>
+              </a:p>
+            </p:txBody>
+          </p:sp>
+        </mc:Fallback>
+      </mc:AlternateContent>
+      <p:sp>
+        <p:nvSpPr>
+          <p:cNvPr id="69" name="Éclair 68">
+            <a:extLst>
+              <a:ext uri="{FF2B5EF4-FFF2-40B4-BE49-F238E27FC236}">
+                <a16:creationId xmlns:a16="http://schemas.microsoft.com/office/drawing/2014/main" id="{E05843F8-3EBC-449B-A498-9AE1E0F1F2BC}"/>
+              </a:ext>
+            </a:extLst>
+          </p:cNvPr>
+          <p:cNvSpPr/>
+          <p:nvPr/>
+        </p:nvSpPr>
+        <p:spPr>
+          <a:xfrm rot="5179442" flipH="1">
+            <a:off x="4853213" y="2876061"/>
+            <a:ext cx="330836" cy="330836"/>
+          </a:xfrm>
+          <a:prstGeom prst="lightningBolt">
+            <a:avLst/>
+          </a:prstGeom>
+          <a:solidFill>
+            <a:srgbClr val="FFC000"/>
+          </a:solidFill>
+          <a:ln w="19050">
+            <a:solidFill>
+              <a:srgbClr val="C00000"/>
+            </a:solidFill>
+          </a:ln>
+        </p:spPr>
+        <p:style>
+          <a:lnRef idx="2">
+            <a:schemeClr val="accent1">
+              <a:shade val="50000"/>
+            </a:schemeClr>
+          </a:lnRef>
+          <a:fillRef idx="1">
+            <a:schemeClr val="accent1"/>
+          </a:fillRef>
+          <a:effectRef idx="0">
+            <a:schemeClr val="accent1"/>
+          </a:effectRef>
+          <a:fontRef idx="minor">
+            <a:schemeClr val="lt1"/>
+          </a:fontRef>
+        </p:style>
+        <p:txBody>
+          <a:bodyPr rtlCol="0" anchor="ctr"/>
+          <a:lstStyle/>
+          <a:p>
+            <a:pPr algn="ctr"/>
+            <a:endParaRPr lang="fr-FR"/>
+          </a:p>
+        </p:txBody>
+      </p:sp>
+      <p:sp>
+        <p:nvSpPr>
+          <p:cNvPr id="70" name="Éclair 69">
+            <a:extLst>
+              <a:ext uri="{FF2B5EF4-FFF2-40B4-BE49-F238E27FC236}">
+                <a16:creationId xmlns:a16="http://schemas.microsoft.com/office/drawing/2014/main" id="{6FCFC0F8-A9B5-4C53-921D-95EE631C9AD0}"/>
+              </a:ext>
+            </a:extLst>
+          </p:cNvPr>
+          <p:cNvSpPr/>
+          <p:nvPr/>
+        </p:nvSpPr>
+        <p:spPr>
+          <a:xfrm rot="6075216" flipH="1" flipV="1">
+            <a:off x="6306894" y="2836816"/>
+            <a:ext cx="330836" cy="330836"/>
+          </a:xfrm>
+          <a:prstGeom prst="lightningBolt">
+            <a:avLst/>
+          </a:prstGeom>
+          <a:solidFill>
+            <a:srgbClr val="FFC000"/>
+          </a:solidFill>
+          <a:ln w="19050">
+            <a:solidFill>
+              <a:srgbClr val="C00000"/>
+            </a:solidFill>
+          </a:ln>
+        </p:spPr>
+        <p:style>
+          <a:lnRef idx="2">
+            <a:schemeClr val="accent1">
+              <a:shade val="50000"/>
+            </a:schemeClr>
+          </a:lnRef>
+          <a:fillRef idx="1">
+            <a:schemeClr val="accent1"/>
+          </a:fillRef>
+          <a:effectRef idx="0">
+            <a:schemeClr val="accent1"/>
+          </a:effectRef>
+          <a:fontRef idx="minor">
+            <a:schemeClr val="lt1"/>
+          </a:fontRef>
+        </p:style>
+        <p:txBody>
+          <a:bodyPr rtlCol="0" anchor="ctr"/>
+          <a:lstStyle/>
+          <a:p>
+            <a:pPr algn="ctr"/>
+            <a:endParaRPr lang="fr-FR"/>
+          </a:p>
+        </p:txBody>
+      </p:sp>
+      <mc:AlternateContent xmlns:mc="http://schemas.openxmlformats.org/markup-compatibility/2006">
+        <mc:Choice xmlns:a14="http://schemas.microsoft.com/office/drawing/2010/main" Requires="a14">
+          <p:sp>
+            <p:nvSpPr>
+              <p:cNvPr id="72" name="ZoneTexte 71">
+                <a:extLst>
+                  <a:ext uri="{FF2B5EF4-FFF2-40B4-BE49-F238E27FC236}">
+                    <a16:creationId xmlns:a16="http://schemas.microsoft.com/office/drawing/2014/main" id="{866CA5D5-B960-4C0E-910B-58162DD3DF25}"/>
+                  </a:ext>
+                </a:extLst>
+              </p:cNvPr>
+              <p:cNvSpPr txBox="1"/>
+              <p:nvPr/>
+            </p:nvSpPr>
+            <p:spPr>
+              <a:xfrm>
+                <a:off x="5818686" y="3072622"/>
+                <a:ext cx="626325" cy="741100"/>
+              </a:xfrm>
+              <a:prstGeom prst="rect">
+                <a:avLst/>
+              </a:prstGeom>
+              <a:noFill/>
+            </p:spPr>
+            <p:txBody>
+              <a:bodyPr wrap="none" rtlCol="0">
+                <a:spAutoFit/>
+              </a:bodyPr>
+              <a:lstStyle/>
+              <a:p>
+                <a14:m>
+                  <m:oMathPara xmlns:m="http://schemas.openxmlformats.org/officeDocument/2006/math">
+                    <m:oMathParaPr>
+                      <m:jc m:val="centerGroup"/>
+                    </m:oMathParaPr>
+                    <m:oMath xmlns:m="http://schemas.openxmlformats.org/officeDocument/2006/math">
+                      <m:acc>
+                        <m:accPr>
+                          <m:chr m:val="⃗"/>
+                          <m:ctrlPr>
+                            <a:rPr lang="fr-FR" b="0" i="1" smtClean="0">
+                              <a:latin typeface="Cambria Math" panose="02040503050406030204" pitchFamily="18" charset="0"/>
+                            </a:rPr>
+                          </m:ctrlPr>
+                        </m:accPr>
+                        <m:e>
+                          <m:sSub>
+                            <m:sSubPr>
+                              <m:ctrlPr>
+                                <a:rPr lang="fr-FR" i="1">
+                                  <a:latin typeface="Cambria Math" panose="02040503050406030204" pitchFamily="18" charset="0"/>
+                                </a:rPr>
+                              </m:ctrlPr>
+                            </m:sSubPr>
+                            <m:e>
+                              <m:r>
+                                <a:rPr lang="fr-FR" i="1">
+                                  <a:latin typeface="Cambria Math" panose="02040503050406030204" pitchFamily="18" charset="0"/>
+                                </a:rPr>
+                                <m:t>𝐶</m:t>
+                              </m:r>
+                            </m:e>
+                            <m:sub>
+                              <m:r>
+                                <a:rPr lang="fr-FR" i="1">
+                                  <a:latin typeface="Cambria Math" panose="02040503050406030204" pitchFamily="18" charset="0"/>
+                                </a:rPr>
+                                <m:t>𝑚</m:t>
+                              </m:r>
+                              <m:r>
+                                <a:rPr lang="fr-FR" b="0" i="1" smtClean="0">
+                                  <a:latin typeface="Cambria Math" panose="02040503050406030204" pitchFamily="18" charset="0"/>
+                                </a:rPr>
+                                <m:t>3</m:t>
+                              </m:r>
+                            </m:sub>
+                          </m:sSub>
+                        </m:e>
+                      </m:acc>
+                    </m:oMath>
+                  </m:oMathPara>
+                </a14:m>
+                <a:endParaRPr lang="fr-FR" b="0" dirty="0"/>
+              </a:p>
+              <a:p>
+                <a14:m>
+                  <m:oMathPara xmlns:m="http://schemas.openxmlformats.org/officeDocument/2006/math">
+                    <m:oMathParaPr>
+                      <m:jc m:val="centerGroup"/>
+                    </m:oMathParaPr>
+                    <m:oMath xmlns:m="http://schemas.openxmlformats.org/officeDocument/2006/math">
+                      <m:acc>
+                        <m:accPr>
+                          <m:chr m:val="⃗"/>
+                          <m:ctrlPr>
+                            <a:rPr lang="fr-FR" b="0" i="1" smtClean="0">
+                              <a:latin typeface="Cambria Math" panose="02040503050406030204" pitchFamily="18" charset="0"/>
+                            </a:rPr>
+                          </m:ctrlPr>
+                        </m:accPr>
+                        <m:e>
+                          <m:r>
+                            <a:rPr lang="fr-FR" b="0" i="1" smtClean="0">
+                              <a:latin typeface="Cambria Math" panose="02040503050406030204" pitchFamily="18" charset="0"/>
+                            </a:rPr>
+                            <m:t>𝐶</m:t>
+                          </m:r>
+                        </m:e>
+                      </m:acc>
+                    </m:oMath>
+                  </m:oMathPara>
+                </a14:m>
+                <a:endParaRPr lang="fr-FR" dirty="0"/>
+              </a:p>
+            </p:txBody>
+          </p:sp>
+        </mc:Choice>
+        <mc:Fallback>
+          <p:sp>
+            <p:nvSpPr>
+              <p:cNvPr id="72" name="ZoneTexte 71">
+                <a:extLst>
+                  <a:ext uri="{FF2B5EF4-FFF2-40B4-BE49-F238E27FC236}">
+                    <a16:creationId xmlns:a16="http://schemas.microsoft.com/office/drawing/2014/main" id="{866CA5D5-B960-4C0E-910B-58162DD3DF25}"/>
+                  </a:ext>
+                </a:extLst>
+              </p:cNvPr>
+              <p:cNvSpPr txBox="1">
+                <a:spLocks noRot="1" noChangeAspect="1" noMove="1" noResize="1" noEditPoints="1" noAdjustHandles="1" noChangeArrowheads="1" noChangeShapeType="1" noTextEdit="1"/>
+              </p:cNvSpPr>
+              <p:nvPr/>
+            </p:nvSpPr>
+            <p:spPr>
+              <a:xfrm>
+                <a:off x="5818686" y="3072622"/>
+                <a:ext cx="626325" cy="741100"/>
+              </a:xfrm>
+              <a:prstGeom prst="rect">
+                <a:avLst/>
+              </a:prstGeom>
+              <a:blipFill>
+                <a:blip r:embed="rId8"/>
+                <a:stretch>
+                  <a:fillRect r="-22549"/>
+                </a:stretch>
+              </a:blipFill>
+            </p:spPr>
+            <p:txBody>
+              <a:bodyPr/>
+              <a:lstStyle/>
+              <a:p>
+                <a:r>
+                  <a:rPr lang="fr-FR">
+                    <a:noFill/>
+                  </a:rPr>
+                  <a:t> </a:t>
+                </a:r>
+              </a:p>
+            </p:txBody>
+          </p:sp>
+        </mc:Fallback>
+      </mc:AlternateContent>
+      <mc:AlternateContent xmlns:mc="http://schemas.openxmlformats.org/markup-compatibility/2006">
+        <mc:Choice xmlns:a14="http://schemas.microsoft.com/office/drawing/2010/main" Requires="a14">
+          <p:sp>
+            <p:nvSpPr>
+              <p:cNvPr id="73" name="ZoneTexte 72">
+                <a:extLst>
+                  <a:ext uri="{FF2B5EF4-FFF2-40B4-BE49-F238E27FC236}">
+                    <a16:creationId xmlns:a16="http://schemas.microsoft.com/office/drawing/2014/main" id="{E6B6FFE8-D79B-462F-A4F9-627523485C90}"/>
+                  </a:ext>
+                </a:extLst>
+              </p:cNvPr>
+              <p:cNvSpPr txBox="1"/>
+              <p:nvPr/>
+            </p:nvSpPr>
+            <p:spPr>
+              <a:xfrm>
+                <a:off x="4947541" y="3072622"/>
+                <a:ext cx="799450" cy="724429"/>
+              </a:xfrm>
+              <a:prstGeom prst="rect">
+                <a:avLst/>
+              </a:prstGeom>
+              <a:noFill/>
+            </p:spPr>
+            <p:txBody>
+              <a:bodyPr wrap="none" rtlCol="0">
+                <a:spAutoFit/>
+              </a:bodyPr>
+              <a:lstStyle/>
+              <a:p>
+                <a14:m>
+                  <m:oMathPara xmlns:m="http://schemas.openxmlformats.org/officeDocument/2006/math">
+                    <m:oMathParaPr>
+                      <m:jc m:val="centerGroup"/>
+                    </m:oMathParaPr>
+                    <m:oMath xmlns:m="http://schemas.openxmlformats.org/officeDocument/2006/math">
+                      <m:r>
+                        <a:rPr lang="fr-FR" b="0" i="1" smtClean="0">
+                          <a:latin typeface="Cambria Math" panose="02040503050406030204" pitchFamily="18" charset="0"/>
+                        </a:rPr>
+                        <m:t>−</m:t>
+                      </m:r>
+                      <m:acc>
+                        <m:accPr>
+                          <m:chr m:val="⃗"/>
+                          <m:ctrlPr>
+                            <a:rPr lang="fr-FR" b="0" i="1" smtClean="0">
+                              <a:latin typeface="Cambria Math" panose="02040503050406030204" pitchFamily="18" charset="0"/>
+                            </a:rPr>
+                          </m:ctrlPr>
+                        </m:accPr>
+                        <m:e>
+                          <m:sSub>
+                            <m:sSubPr>
+                              <m:ctrlPr>
+                                <a:rPr lang="fr-FR" i="1">
+                                  <a:latin typeface="Cambria Math" panose="02040503050406030204" pitchFamily="18" charset="0"/>
+                                </a:rPr>
+                              </m:ctrlPr>
+                            </m:sSubPr>
+                            <m:e>
+                              <m:r>
+                                <a:rPr lang="fr-FR" i="1">
+                                  <a:latin typeface="Cambria Math" panose="02040503050406030204" pitchFamily="18" charset="0"/>
+                                </a:rPr>
+                                <m:t>𝐶</m:t>
+                              </m:r>
+                            </m:e>
+                            <m:sub>
+                              <m:r>
+                                <a:rPr lang="fr-FR" i="1">
+                                  <a:latin typeface="Cambria Math" panose="02040503050406030204" pitchFamily="18" charset="0"/>
+                                </a:rPr>
+                                <m:t>𝑚</m:t>
+                              </m:r>
+                              <m:r>
+                                <a:rPr lang="fr-FR" b="0" i="1" smtClean="0">
+                                  <a:latin typeface="Cambria Math" panose="02040503050406030204" pitchFamily="18" charset="0"/>
+                                </a:rPr>
+                                <m:t>3</m:t>
+                              </m:r>
+                            </m:sub>
+                          </m:sSub>
+                        </m:e>
+                      </m:acc>
+                    </m:oMath>
+                  </m:oMathPara>
+                </a14:m>
+                <a:endParaRPr lang="fr-FR" b="0" dirty="0"/>
+              </a:p>
+              <a:p>
+                <a14:m>
+                  <m:oMathPara xmlns:m="http://schemas.openxmlformats.org/officeDocument/2006/math">
+                    <m:oMathParaPr>
+                      <m:jc m:val="centerGroup"/>
+                    </m:oMathParaPr>
+                    <m:oMath xmlns:m="http://schemas.openxmlformats.org/officeDocument/2006/math">
+                      <m:r>
+                        <a:rPr lang="fr-FR" b="0" i="1" smtClean="0">
+                          <a:latin typeface="Cambria Math" panose="02040503050406030204" pitchFamily="18" charset="0"/>
+                        </a:rPr>
+                        <m:t>−</m:t>
+                      </m:r>
+                      <m:acc>
+                        <m:accPr>
+                          <m:chr m:val="⃗"/>
+                          <m:ctrlPr>
+                            <a:rPr lang="fr-FR" b="0" i="1" smtClean="0">
+                              <a:latin typeface="Cambria Math" panose="02040503050406030204" pitchFamily="18" charset="0"/>
+                            </a:rPr>
+                          </m:ctrlPr>
+                        </m:accPr>
+                        <m:e>
+                          <m:r>
+                            <a:rPr lang="fr-FR" b="0" i="1" smtClean="0">
+                              <a:latin typeface="Cambria Math" panose="02040503050406030204" pitchFamily="18" charset="0"/>
+                            </a:rPr>
+                            <m:t>𝐶</m:t>
+                          </m:r>
+                        </m:e>
+                      </m:acc>
+                    </m:oMath>
+                  </m:oMathPara>
+                </a14:m>
+                <a:endParaRPr lang="fr-FR" dirty="0"/>
+              </a:p>
+            </p:txBody>
+          </p:sp>
+        </mc:Choice>
+        <mc:Fallback>
+          <p:sp>
+            <p:nvSpPr>
+              <p:cNvPr id="73" name="ZoneTexte 72">
+                <a:extLst>
+                  <a:ext uri="{FF2B5EF4-FFF2-40B4-BE49-F238E27FC236}">
+                    <a16:creationId xmlns:a16="http://schemas.microsoft.com/office/drawing/2014/main" id="{E6B6FFE8-D79B-462F-A4F9-627523485C90}"/>
+                  </a:ext>
+                </a:extLst>
+              </p:cNvPr>
+              <p:cNvSpPr txBox="1">
+                <a:spLocks noRot="1" noChangeAspect="1" noMove="1" noResize="1" noEditPoints="1" noAdjustHandles="1" noChangeArrowheads="1" noChangeShapeType="1" noTextEdit="1"/>
+              </p:cNvSpPr>
+              <p:nvPr/>
+            </p:nvSpPr>
+            <p:spPr>
+              <a:xfrm>
+                <a:off x="4947541" y="3072622"/>
+                <a:ext cx="799450" cy="724429"/>
+              </a:xfrm>
+              <a:prstGeom prst="rect">
+                <a:avLst/>
+              </a:prstGeom>
+              <a:blipFill>
+                <a:blip r:embed="rId9"/>
+                <a:stretch>
+                  <a:fillRect r="-17557"/>
+                </a:stretch>
+              </a:blipFill>
+            </p:spPr>
+            <p:txBody>
+              <a:bodyPr/>
+              <a:lstStyle/>
+              <a:p>
+                <a:r>
+                  <a:rPr lang="fr-FR">
+                    <a:noFill/>
+                  </a:rPr>
+                  <a:t> </a:t>
+                </a:r>
+              </a:p>
+            </p:txBody>
+          </p:sp>
+        </mc:Fallback>
+      </mc:AlternateContent>
+      <p:sp>
+        <p:nvSpPr>
+          <p:cNvPr id="74" name="Éclair 73">
+            <a:extLst>
+              <a:ext uri="{FF2B5EF4-FFF2-40B4-BE49-F238E27FC236}">
+                <a16:creationId xmlns:a16="http://schemas.microsoft.com/office/drawing/2014/main" id="{77D0D664-4BB2-400F-B6AB-AEB9C159B409}"/>
+              </a:ext>
+            </a:extLst>
+          </p:cNvPr>
+          <p:cNvSpPr/>
+          <p:nvPr/>
+        </p:nvSpPr>
+        <p:spPr>
+          <a:xfrm rot="5179442" flipH="1">
+            <a:off x="4744936" y="3300095"/>
+            <a:ext cx="330836" cy="330836"/>
+          </a:xfrm>
+          <a:prstGeom prst="lightningBolt">
+            <a:avLst/>
+          </a:prstGeom>
+          <a:solidFill>
+            <a:srgbClr val="FFC000"/>
+          </a:solidFill>
+          <a:ln w="19050">
+            <a:solidFill>
+              <a:srgbClr val="C00000"/>
+            </a:solidFill>
+          </a:ln>
+        </p:spPr>
+        <p:style>
+          <a:lnRef idx="2">
+            <a:schemeClr val="accent1">
+              <a:shade val="50000"/>
+            </a:schemeClr>
+          </a:lnRef>
+          <a:fillRef idx="1">
+            <a:schemeClr val="accent1"/>
+          </a:fillRef>
+          <a:effectRef idx="0">
+            <a:schemeClr val="accent1"/>
+          </a:effectRef>
+          <a:fontRef idx="minor">
+            <a:schemeClr val="lt1"/>
+          </a:fontRef>
+        </p:style>
+        <p:txBody>
+          <a:bodyPr rtlCol="0" anchor="ctr"/>
+          <a:lstStyle/>
+          <a:p>
+            <a:pPr algn="ctr"/>
+            <a:endParaRPr lang="fr-FR"/>
+          </a:p>
+        </p:txBody>
+      </p:sp>
+      <p:sp>
+        <p:nvSpPr>
+          <p:cNvPr id="75" name="Éclair 74">
+            <a:extLst>
+              <a:ext uri="{FF2B5EF4-FFF2-40B4-BE49-F238E27FC236}">
+                <a16:creationId xmlns:a16="http://schemas.microsoft.com/office/drawing/2014/main" id="{39E5ED56-E7D8-4821-9F92-36D2E2370227}"/>
+              </a:ext>
+            </a:extLst>
+          </p:cNvPr>
+          <p:cNvSpPr/>
+          <p:nvPr/>
+        </p:nvSpPr>
+        <p:spPr>
+          <a:xfrm rot="6075216" flipH="1" flipV="1">
+            <a:off x="6373181" y="3218745"/>
+            <a:ext cx="330836" cy="330836"/>
+          </a:xfrm>
+          <a:prstGeom prst="lightningBolt">
+            <a:avLst/>
+          </a:prstGeom>
+          <a:solidFill>
+            <a:srgbClr val="FFC000"/>
+          </a:solidFill>
+          <a:ln w="19050">
+            <a:solidFill>
+              <a:srgbClr val="C00000"/>
+            </a:solidFill>
+          </a:ln>
+        </p:spPr>
+        <p:style>
+          <a:lnRef idx="2">
+            <a:schemeClr val="accent1">
+              <a:shade val="50000"/>
+            </a:schemeClr>
+          </a:lnRef>
+          <a:fillRef idx="1">
+            <a:schemeClr val="accent1"/>
+          </a:fillRef>
+          <a:effectRef idx="0">
+            <a:schemeClr val="accent1"/>
+          </a:effectRef>
+          <a:fontRef idx="minor">
+            <a:schemeClr val="lt1"/>
+          </a:fontRef>
+        </p:style>
+        <p:txBody>
+          <a:bodyPr rtlCol="0" anchor="ctr"/>
+          <a:lstStyle/>
+          <a:p>
+            <a:pPr algn="ctr"/>
+            <a:endParaRPr lang="fr-FR"/>
+          </a:p>
+        </p:txBody>
+      </p:sp>
+      <p:sp>
+        <p:nvSpPr>
+          <p:cNvPr id="76" name="Éclair 75">
+            <a:extLst>
+              <a:ext uri="{FF2B5EF4-FFF2-40B4-BE49-F238E27FC236}">
+                <a16:creationId xmlns:a16="http://schemas.microsoft.com/office/drawing/2014/main" id="{2A3F56A4-73B1-4392-9BCB-E11F42276C9A}"/>
+              </a:ext>
+            </a:extLst>
+          </p:cNvPr>
+          <p:cNvSpPr/>
+          <p:nvPr/>
+        </p:nvSpPr>
+        <p:spPr>
+          <a:xfrm rot="17833721" flipH="1">
+            <a:off x="2251783" y="1998125"/>
+            <a:ext cx="330836" cy="330836"/>
+          </a:xfrm>
+          <a:prstGeom prst="lightningBolt">
+            <a:avLst/>
+          </a:prstGeom>
+          <a:solidFill>
+            <a:srgbClr val="FFC000"/>
+          </a:solidFill>
+          <a:ln w="19050">
+            <a:solidFill>
+              <a:srgbClr val="C00000"/>
+            </a:solidFill>
+          </a:ln>
+        </p:spPr>
+        <p:style>
+          <a:lnRef idx="2">
+            <a:schemeClr val="accent1">
+              <a:shade val="50000"/>
+            </a:schemeClr>
+          </a:lnRef>
+          <a:fillRef idx="1">
+            <a:schemeClr val="accent1"/>
+          </a:fillRef>
+          <a:effectRef idx="0">
+            <a:schemeClr val="accent1"/>
+          </a:effectRef>
+          <a:fontRef idx="minor">
+            <a:schemeClr val="lt1"/>
+          </a:fontRef>
+        </p:style>
+        <p:txBody>
+          <a:bodyPr rtlCol="0" anchor="ctr"/>
+          <a:lstStyle/>
+          <a:p>
+            <a:pPr algn="ctr"/>
+            <a:endParaRPr lang="fr-FR"/>
+          </a:p>
+        </p:txBody>
+      </p:sp>
+      <p:sp>
+        <p:nvSpPr>
+          <p:cNvPr id="77" name="ZoneTexte 76">
+            <a:extLst>
+              <a:ext uri="{FF2B5EF4-FFF2-40B4-BE49-F238E27FC236}">
+                <a16:creationId xmlns:a16="http://schemas.microsoft.com/office/drawing/2014/main" id="{91B90EC0-F578-4FAE-A600-721105F47C25}"/>
+              </a:ext>
+            </a:extLst>
+          </p:cNvPr>
+          <p:cNvSpPr txBox="1"/>
+          <p:nvPr/>
+        </p:nvSpPr>
+        <p:spPr>
+          <a:xfrm>
+            <a:off x="1714881" y="1719070"/>
+            <a:ext cx="919675" cy="307777"/>
+          </a:xfrm>
+          <a:prstGeom prst="rect">
+            <a:avLst/>
+          </a:prstGeom>
+          <a:noFill/>
+        </p:spPr>
+        <p:txBody>
+          <a:bodyPr wrap="none" rtlCol="0">
+            <a:spAutoFit/>
+          </a:bodyPr>
+          <a:lstStyle/>
+          <a:p>
+            <a:pPr algn="ctr"/>
+            <a:r>
+              <a:rPr lang="fr-FR" sz="1400" dirty="0"/>
+              <a:t>Pesanteur</a:t>
+            </a:r>
+          </a:p>
+        </p:txBody>
+      </p:sp>
+      <p:sp>
+        <p:nvSpPr>
+          <p:cNvPr id="78" name="Éclair 77">
+            <a:extLst>
+              <a:ext uri="{FF2B5EF4-FFF2-40B4-BE49-F238E27FC236}">
+                <a16:creationId xmlns:a16="http://schemas.microsoft.com/office/drawing/2014/main" id="{2786612F-5BD6-413F-AF2C-88E96434E1C7}"/>
+              </a:ext>
+            </a:extLst>
+          </p:cNvPr>
+          <p:cNvSpPr/>
+          <p:nvPr/>
+        </p:nvSpPr>
+        <p:spPr>
+          <a:xfrm rot="17833721" flipH="1">
+            <a:off x="4387992" y="2036631"/>
+            <a:ext cx="330836" cy="330836"/>
+          </a:xfrm>
+          <a:prstGeom prst="lightningBolt">
+            <a:avLst/>
+          </a:prstGeom>
+          <a:solidFill>
+            <a:srgbClr val="FFC000"/>
+          </a:solidFill>
+          <a:ln w="19050">
+            <a:solidFill>
+              <a:srgbClr val="C00000"/>
+            </a:solidFill>
+          </a:ln>
+        </p:spPr>
+        <p:style>
+          <a:lnRef idx="2">
+            <a:schemeClr val="accent1">
+              <a:shade val="50000"/>
+            </a:schemeClr>
+          </a:lnRef>
+          <a:fillRef idx="1">
+            <a:schemeClr val="accent1"/>
+          </a:fillRef>
+          <a:effectRef idx="0">
+            <a:schemeClr val="accent1"/>
+          </a:effectRef>
+          <a:fontRef idx="minor">
+            <a:schemeClr val="lt1"/>
+          </a:fontRef>
+        </p:style>
+        <p:txBody>
+          <a:bodyPr rtlCol="0" anchor="ctr"/>
+          <a:lstStyle/>
+          <a:p>
+            <a:pPr algn="ctr"/>
+            <a:endParaRPr lang="fr-FR"/>
+          </a:p>
+        </p:txBody>
+      </p:sp>
+      <p:sp>
+        <p:nvSpPr>
+          <p:cNvPr id="79" name="ZoneTexte 78">
+            <a:extLst>
+              <a:ext uri="{FF2B5EF4-FFF2-40B4-BE49-F238E27FC236}">
+                <a16:creationId xmlns:a16="http://schemas.microsoft.com/office/drawing/2014/main" id="{DE74629C-B0E9-4C5E-A49F-026F9043B521}"/>
+              </a:ext>
+            </a:extLst>
+          </p:cNvPr>
+          <p:cNvSpPr txBox="1"/>
+          <p:nvPr/>
+        </p:nvSpPr>
+        <p:spPr>
+          <a:xfrm>
+            <a:off x="3851090" y="1757576"/>
+            <a:ext cx="919675" cy="307777"/>
+          </a:xfrm>
+          <a:prstGeom prst="rect">
+            <a:avLst/>
+          </a:prstGeom>
+          <a:noFill/>
+        </p:spPr>
+        <p:txBody>
+          <a:bodyPr wrap="none" rtlCol="0">
+            <a:spAutoFit/>
+          </a:bodyPr>
+          <a:lstStyle/>
+          <a:p>
+            <a:pPr algn="ctr"/>
+            <a:r>
+              <a:rPr lang="fr-FR" sz="1400" dirty="0"/>
+              <a:t>Pesanteur</a:t>
+            </a:r>
+          </a:p>
+        </p:txBody>
+      </p:sp>
+      <p:sp>
+        <p:nvSpPr>
+          <p:cNvPr id="80" name="Éclair 79">
+            <a:extLst>
+              <a:ext uri="{FF2B5EF4-FFF2-40B4-BE49-F238E27FC236}">
+                <a16:creationId xmlns:a16="http://schemas.microsoft.com/office/drawing/2014/main" id="{7CFA9025-7776-4E8C-A934-7C0E213C920F}"/>
+              </a:ext>
+            </a:extLst>
+          </p:cNvPr>
+          <p:cNvSpPr/>
+          <p:nvPr/>
+        </p:nvSpPr>
+        <p:spPr>
+          <a:xfrm rot="17833721" flipH="1">
+            <a:off x="6524201" y="2075137"/>
+            <a:ext cx="330836" cy="330836"/>
+          </a:xfrm>
+          <a:prstGeom prst="lightningBolt">
+            <a:avLst/>
+          </a:prstGeom>
+          <a:solidFill>
+            <a:srgbClr val="FFC000"/>
+          </a:solidFill>
+          <a:ln w="19050">
+            <a:solidFill>
+              <a:srgbClr val="C00000"/>
+            </a:solidFill>
+          </a:ln>
+        </p:spPr>
+        <p:style>
+          <a:lnRef idx="2">
+            <a:schemeClr val="accent1">
+              <a:shade val="50000"/>
+            </a:schemeClr>
+          </a:lnRef>
+          <a:fillRef idx="1">
+            <a:schemeClr val="accent1"/>
+          </a:fillRef>
+          <a:effectRef idx="0">
+            <a:schemeClr val="accent1"/>
+          </a:effectRef>
+          <a:fontRef idx="minor">
+            <a:schemeClr val="lt1"/>
+          </a:fontRef>
+        </p:style>
+        <p:txBody>
+          <a:bodyPr rtlCol="0" anchor="ctr"/>
+          <a:lstStyle/>
+          <a:p>
+            <a:pPr algn="ctr"/>
+            <a:endParaRPr lang="fr-FR"/>
+          </a:p>
+        </p:txBody>
+      </p:sp>
+      <p:sp>
+        <p:nvSpPr>
+          <p:cNvPr id="81" name="ZoneTexte 80">
+            <a:extLst>
+              <a:ext uri="{FF2B5EF4-FFF2-40B4-BE49-F238E27FC236}">
+                <a16:creationId xmlns:a16="http://schemas.microsoft.com/office/drawing/2014/main" id="{F6B9A85C-D667-45E4-914B-D40CC16F9073}"/>
+              </a:ext>
+            </a:extLst>
+          </p:cNvPr>
+          <p:cNvSpPr txBox="1"/>
+          <p:nvPr/>
+        </p:nvSpPr>
+        <p:spPr>
+          <a:xfrm>
+            <a:off x="5987299" y="1796082"/>
+            <a:ext cx="919675" cy="307777"/>
+          </a:xfrm>
+          <a:prstGeom prst="rect">
+            <a:avLst/>
+          </a:prstGeom>
+          <a:noFill/>
+        </p:spPr>
+        <p:txBody>
+          <a:bodyPr wrap="none" rtlCol="0">
+            <a:spAutoFit/>
+          </a:bodyPr>
+          <a:lstStyle/>
+          <a:p>
+            <a:pPr algn="ctr"/>
+            <a:r>
+              <a:rPr lang="fr-FR" sz="1400" dirty="0"/>
+              <a:t>Pesanteur</a:t>
+            </a:r>
+          </a:p>
+        </p:txBody>
+      </p:sp>
+      <p:sp>
+        <p:nvSpPr>
+          <p:cNvPr id="82" name="Rectangle : coins arrondis 81">
+            <a:extLst>
+              <a:ext uri="{FF2B5EF4-FFF2-40B4-BE49-F238E27FC236}">
+                <a16:creationId xmlns:a16="http://schemas.microsoft.com/office/drawing/2014/main" id="{50708572-B18D-4443-99EA-1E5551326930}"/>
+              </a:ext>
+            </a:extLst>
+          </p:cNvPr>
+          <p:cNvSpPr/>
+          <p:nvPr/>
+        </p:nvSpPr>
+        <p:spPr>
+          <a:xfrm>
+            <a:off x="2034363" y="2193828"/>
+            <a:ext cx="5061097" cy="1600838"/>
+          </a:xfrm>
+          <a:prstGeom prst="roundRect">
+            <a:avLst/>
+          </a:prstGeom>
+          <a:noFill/>
+          <a:ln w="28575">
+            <a:solidFill>
+              <a:srgbClr val="0070C0"/>
+            </a:solidFill>
+            <a:prstDash val="sysDash"/>
+          </a:ln>
+        </p:spPr>
+        <p:style>
+          <a:lnRef idx="2">
+            <a:schemeClr val="accent1">
+              <a:shade val="50000"/>
+            </a:schemeClr>
+          </a:lnRef>
+          <a:fillRef idx="1">
+            <a:schemeClr val="accent1"/>
+          </a:fillRef>
+          <a:effectRef idx="0">
+            <a:schemeClr val="accent1"/>
+          </a:effectRef>
+          <a:fontRef idx="minor">
+            <a:schemeClr val="lt1"/>
+          </a:fontRef>
+        </p:style>
+        <p:txBody>
+          <a:bodyPr rtlCol="0" anchor="ctr"/>
+          <a:lstStyle/>
+          <a:p>
+            <a:pPr algn="ctr"/>
+            <a:endParaRPr lang="fr-FR"/>
+          </a:p>
+        </p:txBody>
+      </p:sp>
+    </p:spTree>
+    <p:extLst>
+      <p:ext uri="{BB962C8B-B14F-4D97-AF65-F5344CB8AC3E}">
+        <p14:creationId xmlns:p14="http://schemas.microsoft.com/office/powerpoint/2010/main" val="2353338124"/>
       </p:ext>
     </p:extLst>
   </p:cSld>

--- a/2006/CCMP/PSI_SI_Rugosimetre/images/Figures.pptx
+++ b/2006/CCMP/PSI_SI_Rugosimetre/images/Figures.pptx
@@ -7,6 +7,7 @@
   <p:sldIdLst>
     <p:sldId id="256" r:id="rId2"/>
     <p:sldId id="257" r:id="rId3"/>
+    <p:sldId id="258" r:id="rId4"/>
   </p:sldIdLst>
   <p:sldSz cx="12192000" cy="6858000"/>
   <p:notesSz cx="6858000" cy="9144000"/>
@@ -271,7 +272,7 @@
           <a:p>
             <a:fld id="{AEE8A38D-7B7A-476F-BC37-5B257FD47E56}" type="datetimeFigureOut">
               <a:rPr lang="fr-FR" smtClean="0"/>
-              <a:t>19/02/2022</a:t>
+              <a:t>20/02/2022</a:t>
             </a:fld>
             <a:endParaRPr lang="fr-FR"/>
           </a:p>
@@ -469,7 +470,7 @@
           <a:p>
             <a:fld id="{AEE8A38D-7B7A-476F-BC37-5B257FD47E56}" type="datetimeFigureOut">
               <a:rPr lang="fr-FR" smtClean="0"/>
-              <a:t>19/02/2022</a:t>
+              <a:t>20/02/2022</a:t>
             </a:fld>
             <a:endParaRPr lang="fr-FR"/>
           </a:p>
@@ -677,7 +678,7 @@
           <a:p>
             <a:fld id="{AEE8A38D-7B7A-476F-BC37-5B257FD47E56}" type="datetimeFigureOut">
               <a:rPr lang="fr-FR" smtClean="0"/>
-              <a:t>19/02/2022</a:t>
+              <a:t>20/02/2022</a:t>
             </a:fld>
             <a:endParaRPr lang="fr-FR"/>
           </a:p>
@@ -875,7 +876,7 @@
           <a:p>
             <a:fld id="{AEE8A38D-7B7A-476F-BC37-5B257FD47E56}" type="datetimeFigureOut">
               <a:rPr lang="fr-FR" smtClean="0"/>
-              <a:t>19/02/2022</a:t>
+              <a:t>20/02/2022</a:t>
             </a:fld>
             <a:endParaRPr lang="fr-FR"/>
           </a:p>
@@ -1150,7 +1151,7 @@
           <a:p>
             <a:fld id="{AEE8A38D-7B7A-476F-BC37-5B257FD47E56}" type="datetimeFigureOut">
               <a:rPr lang="fr-FR" smtClean="0"/>
-              <a:t>19/02/2022</a:t>
+              <a:t>20/02/2022</a:t>
             </a:fld>
             <a:endParaRPr lang="fr-FR"/>
           </a:p>
@@ -1415,7 +1416,7 @@
           <a:p>
             <a:fld id="{AEE8A38D-7B7A-476F-BC37-5B257FD47E56}" type="datetimeFigureOut">
               <a:rPr lang="fr-FR" smtClean="0"/>
-              <a:t>19/02/2022</a:t>
+              <a:t>20/02/2022</a:t>
             </a:fld>
             <a:endParaRPr lang="fr-FR"/>
           </a:p>
@@ -1827,7 +1828,7 @@
           <a:p>
             <a:fld id="{AEE8A38D-7B7A-476F-BC37-5B257FD47E56}" type="datetimeFigureOut">
               <a:rPr lang="fr-FR" smtClean="0"/>
-              <a:t>19/02/2022</a:t>
+              <a:t>20/02/2022</a:t>
             </a:fld>
             <a:endParaRPr lang="fr-FR"/>
           </a:p>
@@ -1968,7 +1969,7 @@
           <a:p>
             <a:fld id="{AEE8A38D-7B7A-476F-BC37-5B257FD47E56}" type="datetimeFigureOut">
               <a:rPr lang="fr-FR" smtClean="0"/>
-              <a:t>19/02/2022</a:t>
+              <a:t>20/02/2022</a:t>
             </a:fld>
             <a:endParaRPr lang="fr-FR"/>
           </a:p>
@@ -2081,7 +2082,7 @@
           <a:p>
             <a:fld id="{AEE8A38D-7B7A-476F-BC37-5B257FD47E56}" type="datetimeFigureOut">
               <a:rPr lang="fr-FR" smtClean="0"/>
-              <a:t>19/02/2022</a:t>
+              <a:t>20/02/2022</a:t>
             </a:fld>
             <a:endParaRPr lang="fr-FR"/>
           </a:p>
@@ -2392,7 +2393,7 @@
           <a:p>
             <a:fld id="{AEE8A38D-7B7A-476F-BC37-5B257FD47E56}" type="datetimeFigureOut">
               <a:rPr lang="fr-FR" smtClean="0"/>
-              <a:t>19/02/2022</a:t>
+              <a:t>20/02/2022</a:t>
             </a:fld>
             <a:endParaRPr lang="fr-FR"/>
           </a:p>
@@ -2680,7 +2681,7 @@
           <a:p>
             <a:fld id="{AEE8A38D-7B7A-476F-BC37-5B257FD47E56}" type="datetimeFigureOut">
               <a:rPr lang="fr-FR" smtClean="0"/>
-              <a:t>19/02/2022</a:t>
+              <a:t>20/02/2022</a:t>
             </a:fld>
             <a:endParaRPr lang="fr-FR"/>
           </a:p>
@@ -2921,7 +2922,7 @@
           <a:p>
             <a:fld id="{AEE8A38D-7B7A-476F-BC37-5B257FD47E56}" type="datetimeFigureOut">
               <a:rPr lang="fr-FR" smtClean="0"/>
-              <a:t>19/02/2022</a:t>
+              <a:t>20/02/2022</a:t>
             </a:fld>
             <a:endParaRPr lang="fr-FR"/>
           </a:p>
@@ -5209,8 +5210,8 @@
           </a:p>
         </p:txBody>
       </p:sp>
-      <mc:AlternateContent xmlns:mc="http://schemas.openxmlformats.org/markup-compatibility/2006">
-        <mc:Choice xmlns:a14="http://schemas.microsoft.com/office/drawing/2010/main" Requires="a14">
+      <mc:AlternateContent xmlns:mc="http://schemas.openxmlformats.org/markup-compatibility/2006" xmlns:a14="http://schemas.microsoft.com/office/drawing/2010/main">
+        <mc:Choice Requires="a14">
           <p:sp>
             <p:nvSpPr>
               <p:cNvPr id="59" name="ZoneTexte 58">
@@ -5239,6 +5240,7 @@
               </a:bodyPr>
               <a:lstStyle/>
               <a:p>
+                <a:pPr/>
                 <a14:m>
                   <m:oMathPara xmlns:m="http://schemas.openxmlformats.org/officeDocument/2006/math">
                     <m:oMathParaPr>
@@ -5296,7 +5298,7 @@
             </p:txBody>
           </p:sp>
         </mc:Choice>
-        <mc:Fallback>
+        <mc:Fallback xmlns="">
           <p:sp>
             <p:nvSpPr>
               <p:cNvPr id="59" name="ZoneTexte 58">
@@ -5341,8 +5343,8 @@
           </p:sp>
         </mc:Fallback>
       </mc:AlternateContent>
-      <mc:AlternateContent xmlns:mc="http://schemas.openxmlformats.org/markup-compatibility/2006">
-        <mc:Choice xmlns:a14="http://schemas.microsoft.com/office/drawing/2010/main" Requires="a14">
+      <mc:AlternateContent xmlns:mc="http://schemas.openxmlformats.org/markup-compatibility/2006" xmlns:a14="http://schemas.microsoft.com/office/drawing/2010/main">
+        <mc:Choice Requires="a14">
           <p:sp>
             <p:nvSpPr>
               <p:cNvPr id="60" name="ZoneTexte 59">
@@ -5371,6 +5373,7 @@
               </a:bodyPr>
               <a:lstStyle/>
               <a:p>
+                <a:pPr/>
                 <a14:m>
                   <m:oMathPara xmlns:m="http://schemas.openxmlformats.org/officeDocument/2006/math">
                     <m:oMathParaPr>
@@ -5434,7 +5437,7 @@
             </p:txBody>
           </p:sp>
         </mc:Choice>
-        <mc:Fallback>
+        <mc:Fallback xmlns="">
           <p:sp>
             <p:nvSpPr>
               <p:cNvPr id="60" name="ZoneTexte 59">
@@ -5479,8 +5482,8 @@
           </p:sp>
         </mc:Fallback>
       </mc:AlternateContent>
-      <mc:AlternateContent xmlns:mc="http://schemas.openxmlformats.org/markup-compatibility/2006">
-        <mc:Choice xmlns:a14="http://schemas.microsoft.com/office/drawing/2010/main" Requires="a14">
+      <mc:AlternateContent xmlns:mc="http://schemas.openxmlformats.org/markup-compatibility/2006" xmlns:a14="http://schemas.microsoft.com/office/drawing/2010/main">
+        <mc:Choice Requires="a14">
           <p:sp>
             <p:nvSpPr>
               <p:cNvPr id="61" name="ZoneTexte 60">
@@ -5590,7 +5593,7 @@
             </p:txBody>
           </p:sp>
         </mc:Choice>
-        <mc:Fallback>
+        <mc:Fallback xmlns="">
           <p:sp>
             <p:nvSpPr>
               <p:cNvPr id="61" name="ZoneTexte 60">
@@ -5635,8 +5638,8 @@
           </p:sp>
         </mc:Fallback>
       </mc:AlternateContent>
-      <mc:AlternateContent xmlns:mc="http://schemas.openxmlformats.org/markup-compatibility/2006">
-        <mc:Choice xmlns:a14="http://schemas.microsoft.com/office/drawing/2010/main" Requires="a14">
+      <mc:AlternateContent xmlns:mc="http://schemas.openxmlformats.org/markup-compatibility/2006" xmlns:a14="http://schemas.microsoft.com/office/drawing/2010/main">
+        <mc:Choice Requires="a14">
           <p:sp>
             <p:nvSpPr>
               <p:cNvPr id="62" name="ZoneTexte 61">
@@ -5746,7 +5749,7 @@
             </p:txBody>
           </p:sp>
         </mc:Choice>
-        <mc:Fallback>
+        <mc:Fallback xmlns="">
           <p:sp>
             <p:nvSpPr>
               <p:cNvPr id="62" name="ZoneTexte 61">
@@ -5791,8 +5794,8 @@
           </p:sp>
         </mc:Fallback>
       </mc:AlternateContent>
-      <mc:AlternateContent xmlns:mc="http://schemas.openxmlformats.org/markup-compatibility/2006">
-        <mc:Choice xmlns:a14="http://schemas.microsoft.com/office/drawing/2010/main" Requires="a14">
+      <mc:AlternateContent xmlns:mc="http://schemas.openxmlformats.org/markup-compatibility/2006" xmlns:a14="http://schemas.microsoft.com/office/drawing/2010/main">
+        <mc:Choice Requires="a14">
           <p:sp>
             <p:nvSpPr>
               <p:cNvPr id="63" name="ZoneTexte 62">
@@ -5879,7 +5882,7 @@
             </p:txBody>
           </p:sp>
         </mc:Choice>
-        <mc:Fallback>
+        <mc:Fallback xmlns="">
           <p:sp>
             <p:nvSpPr>
               <p:cNvPr id="63" name="ZoneTexte 62">
@@ -5924,8 +5927,8 @@
           </p:sp>
         </mc:Fallback>
       </mc:AlternateContent>
-      <mc:AlternateContent xmlns:mc="http://schemas.openxmlformats.org/markup-compatibility/2006">
-        <mc:Choice xmlns:a14="http://schemas.microsoft.com/office/drawing/2010/main" Requires="a14">
+      <mc:AlternateContent xmlns:mc="http://schemas.openxmlformats.org/markup-compatibility/2006" xmlns:a14="http://schemas.microsoft.com/office/drawing/2010/main">
+        <mc:Choice Requires="a14">
           <p:sp>
             <p:nvSpPr>
               <p:cNvPr id="68" name="ZoneTexte 67">
@@ -6035,7 +6038,7 @@
             </p:txBody>
           </p:sp>
         </mc:Choice>
-        <mc:Fallback>
+        <mc:Fallback xmlns="">
           <p:sp>
             <p:nvSpPr>
               <p:cNvPr id="68" name="ZoneTexte 67">
@@ -6188,8 +6191,8 @@
           </a:p>
         </p:txBody>
       </p:sp>
-      <mc:AlternateContent xmlns:mc="http://schemas.openxmlformats.org/markup-compatibility/2006">
-        <mc:Choice xmlns:a14="http://schemas.microsoft.com/office/drawing/2010/main" Requires="a14">
+      <mc:AlternateContent xmlns:mc="http://schemas.openxmlformats.org/markup-compatibility/2006" xmlns:a14="http://schemas.microsoft.com/office/drawing/2010/main">
+        <mc:Choice Requires="a14">
           <p:sp>
             <p:nvSpPr>
               <p:cNvPr id="72" name="ZoneTexte 71">
@@ -6218,6 +6221,7 @@
               </a:bodyPr>
               <a:lstStyle/>
               <a:p>
+                <a:pPr/>
                 <a14:m>
                   <m:oMathPara xmlns:m="http://schemas.openxmlformats.org/officeDocument/2006/math">
                     <m:oMathParaPr>
@@ -6273,6 +6277,7 @@
                 <a:endParaRPr lang="fr-FR" b="0" dirty="0"/>
               </a:p>
               <a:p>
+                <a:pPr/>
                 <a14:m>
                   <m:oMathPara xmlns:m="http://schemas.openxmlformats.org/officeDocument/2006/math">
                     <m:oMathParaPr>
@@ -6305,7 +6310,7 @@
             </p:txBody>
           </p:sp>
         </mc:Choice>
-        <mc:Fallback>
+        <mc:Fallback xmlns="">
           <p:sp>
             <p:nvSpPr>
               <p:cNvPr id="72" name="ZoneTexte 71">
@@ -6350,8 +6355,8 @@
           </p:sp>
         </mc:Fallback>
       </mc:AlternateContent>
-      <mc:AlternateContent xmlns:mc="http://schemas.openxmlformats.org/markup-compatibility/2006">
-        <mc:Choice xmlns:a14="http://schemas.microsoft.com/office/drawing/2010/main" Requires="a14">
+      <mc:AlternateContent xmlns:mc="http://schemas.openxmlformats.org/markup-compatibility/2006" xmlns:a14="http://schemas.microsoft.com/office/drawing/2010/main">
+        <mc:Choice Requires="a14">
           <p:sp>
             <p:nvSpPr>
               <p:cNvPr id="73" name="ZoneTexte 72">
@@ -6380,6 +6385,7 @@
               </a:bodyPr>
               <a:lstStyle/>
               <a:p>
+                <a:pPr/>
                 <a14:m>
                   <m:oMathPara xmlns:m="http://schemas.openxmlformats.org/officeDocument/2006/math">
                     <m:oMathParaPr>
@@ -6441,6 +6447,7 @@
                 <a:endParaRPr lang="fr-FR" b="0" dirty="0"/>
               </a:p>
               <a:p>
+                <a:pPr/>
                 <a14:m>
                   <m:oMathPara xmlns:m="http://schemas.openxmlformats.org/officeDocument/2006/math">
                     <m:oMathParaPr>
@@ -6479,7 +6486,7 @@
             </p:txBody>
           </p:sp>
         </mc:Choice>
-        <mc:Fallback>
+        <mc:Fallback xmlns="">
           <p:sp>
             <p:nvSpPr>
               <p:cNvPr id="73" name="ZoneTexte 72">
@@ -6959,6 +6966,334 @@
     <p:extLst>
       <p:ext uri="{BB962C8B-B14F-4D97-AF65-F5344CB8AC3E}">
         <p14:creationId xmlns:p14="http://schemas.microsoft.com/office/powerpoint/2010/main" val="2353338124"/>
+      </p:ext>
+    </p:extLst>
+  </p:cSld>
+  <p:clrMapOvr>
+    <a:masterClrMapping/>
+  </p:clrMapOvr>
+</p:sld>
+</file>
+
+<file path=ppt/slides/slide3.xml><?xml version="1.0" encoding="utf-8"?>
+<p:sld xmlns:a="http://schemas.openxmlformats.org/drawingml/2006/main" xmlns:r="http://schemas.openxmlformats.org/officeDocument/2006/relationships" xmlns:p="http://schemas.openxmlformats.org/presentationml/2006/main">
+  <p:cSld>
+    <p:spTree>
+      <p:nvGrpSpPr>
+        <p:cNvPr id="1" name=""/>
+        <p:cNvGrpSpPr/>
+        <p:nvPr/>
+      </p:nvGrpSpPr>
+      <p:grpSpPr>
+        <a:xfrm>
+          <a:off x="0" y="0"/>
+          <a:ext cx="0" cy="0"/>
+          <a:chOff x="0" y="0"/>
+          <a:chExt cx="0" cy="0"/>
+        </a:xfrm>
+      </p:grpSpPr>
+      <p:sp>
+        <p:nvSpPr>
+          <p:cNvPr id="2" name="Titre 1">
+            <a:extLst>
+              <a:ext uri="{FF2B5EF4-FFF2-40B4-BE49-F238E27FC236}">
+                <a16:creationId xmlns:a16="http://schemas.microsoft.com/office/drawing/2014/main" id="{E808B27A-3938-4704-9872-0D1DA710A480}"/>
+              </a:ext>
+            </a:extLst>
+          </p:cNvPr>
+          <p:cNvSpPr>
+            <a:spLocks noGrp="1"/>
+          </p:cNvSpPr>
+          <p:nvPr>
+            <p:ph type="title"/>
+          </p:nvPr>
+        </p:nvSpPr>
+        <p:spPr/>
+        <p:txBody>
+          <a:bodyPr/>
+          <a:lstStyle/>
+          <a:p>
+            <a:endParaRPr lang="fr-FR"/>
+          </a:p>
+        </p:txBody>
+      </p:sp>
+      <p:pic>
+        <p:nvPicPr>
+          <p:cNvPr id="5" name="Espace réservé du contenu 4">
+            <a:extLst>
+              <a:ext uri="{FF2B5EF4-FFF2-40B4-BE49-F238E27FC236}">
+                <a16:creationId xmlns:a16="http://schemas.microsoft.com/office/drawing/2014/main" id="{F0FC7C3E-0E22-4749-9D36-7F2FF1D004FD}"/>
+              </a:ext>
+            </a:extLst>
+          </p:cNvPr>
+          <p:cNvPicPr>
+            <a:picLocks noGrp="1" noChangeAspect="1"/>
+          </p:cNvPicPr>
+          <p:nvPr>
+            <p:ph idx="1"/>
+          </p:nvPr>
+        </p:nvPicPr>
+        <p:blipFill>
+          <a:blip r:embed="rId2">
+            <a:extLst>
+              <a:ext uri="{28A0092B-C50C-407E-A947-70E740481C1C}">
+                <a14:useLocalDpi xmlns:a14="http://schemas.microsoft.com/office/drawing/2010/main" val="0"/>
+              </a:ext>
+            </a:extLst>
+          </a:blip>
+          <a:stretch>
+            <a:fillRect/>
+          </a:stretch>
+        </p:blipFill>
+        <p:spPr>
+          <a:xfrm>
+            <a:off x="1317950" y="1690688"/>
+            <a:ext cx="8520514" cy="4843080"/>
+          </a:xfrm>
+        </p:spPr>
+      </p:pic>
+      <p:cxnSp>
+        <p:nvCxnSpPr>
+          <p:cNvPr id="7" name="Connecteur droit 6">
+            <a:extLst>
+              <a:ext uri="{FF2B5EF4-FFF2-40B4-BE49-F238E27FC236}">
+                <a16:creationId xmlns:a16="http://schemas.microsoft.com/office/drawing/2014/main" id="{02DA3586-D706-4ACD-BFD0-0C52CCA8A274}"/>
+              </a:ext>
+            </a:extLst>
+          </p:cNvPr>
+          <p:cNvCxnSpPr/>
+          <p:nvPr/>
+        </p:nvCxnSpPr>
+        <p:spPr>
+          <a:xfrm>
+            <a:off x="2324559" y="2434728"/>
+            <a:ext cx="7458419" cy="0"/>
+          </a:xfrm>
+          <a:prstGeom prst="line">
+            <a:avLst/>
+          </a:prstGeom>
+          <a:ln w="57150"/>
+        </p:spPr>
+        <p:style>
+          <a:lnRef idx="1">
+            <a:schemeClr val="accent1"/>
+          </a:lnRef>
+          <a:fillRef idx="0">
+            <a:schemeClr val="accent1"/>
+          </a:fillRef>
+          <a:effectRef idx="0">
+            <a:schemeClr val="accent1"/>
+          </a:effectRef>
+          <a:fontRef idx="minor">
+            <a:schemeClr val="tx1"/>
+          </a:fontRef>
+        </p:style>
+      </p:cxnSp>
+      <p:cxnSp>
+        <p:nvCxnSpPr>
+          <p:cNvPr id="8" name="Connecteur droit 7">
+            <a:extLst>
+              <a:ext uri="{FF2B5EF4-FFF2-40B4-BE49-F238E27FC236}">
+                <a16:creationId xmlns:a16="http://schemas.microsoft.com/office/drawing/2014/main" id="{9623146A-B06D-4DCF-A3EF-7AEFF0DC42BE}"/>
+              </a:ext>
+            </a:extLst>
+          </p:cNvPr>
+          <p:cNvCxnSpPr>
+            <a:cxnSpLocks/>
+          </p:cNvCxnSpPr>
+          <p:nvPr/>
+        </p:nvCxnSpPr>
+        <p:spPr>
+          <a:xfrm>
+            <a:off x="2324558" y="5308294"/>
+            <a:ext cx="4406748" cy="0"/>
+          </a:xfrm>
+          <a:prstGeom prst="line">
+            <a:avLst/>
+          </a:prstGeom>
+          <a:ln w="57150"/>
+        </p:spPr>
+        <p:style>
+          <a:lnRef idx="1">
+            <a:schemeClr val="accent1"/>
+          </a:lnRef>
+          <a:fillRef idx="0">
+            <a:schemeClr val="accent1"/>
+          </a:fillRef>
+          <a:effectRef idx="0">
+            <a:schemeClr val="accent1"/>
+          </a:effectRef>
+          <a:fontRef idx="minor">
+            <a:schemeClr val="tx1"/>
+          </a:fontRef>
+        </p:style>
+      </p:cxnSp>
+      <p:sp>
+        <p:nvSpPr>
+          <p:cNvPr id="10" name="Ellipse 9">
+            <a:extLst>
+              <a:ext uri="{FF2B5EF4-FFF2-40B4-BE49-F238E27FC236}">
+                <a16:creationId xmlns:a16="http://schemas.microsoft.com/office/drawing/2014/main" id="{EF3277FD-1F6B-4AB1-A043-6C4D1C6A3776}"/>
+              </a:ext>
+            </a:extLst>
+          </p:cNvPr>
+          <p:cNvSpPr/>
+          <p:nvPr/>
+        </p:nvSpPr>
+        <p:spPr>
+          <a:xfrm>
+            <a:off x="6533002" y="5214650"/>
+            <a:ext cx="187287" cy="187287"/>
+          </a:xfrm>
+          <a:prstGeom prst="ellipse">
+            <a:avLst/>
+          </a:prstGeom>
+          <a:solidFill>
+            <a:srgbClr val="C00000"/>
+          </a:solidFill>
+          <a:ln>
+            <a:solidFill>
+              <a:srgbClr val="C00000"/>
+            </a:solidFill>
+          </a:ln>
+        </p:spPr>
+        <p:style>
+          <a:lnRef idx="2">
+            <a:schemeClr val="accent1">
+              <a:shade val="50000"/>
+            </a:schemeClr>
+          </a:lnRef>
+          <a:fillRef idx="1">
+            <a:schemeClr val="accent1"/>
+          </a:fillRef>
+          <a:effectRef idx="0">
+            <a:schemeClr val="accent1"/>
+          </a:effectRef>
+          <a:fontRef idx="minor">
+            <a:schemeClr val="lt1"/>
+          </a:fontRef>
+        </p:style>
+        <p:txBody>
+          <a:bodyPr rtlCol="0" anchor="ctr"/>
+          <a:lstStyle/>
+          <a:p>
+            <a:pPr algn="ctr"/>
+            <a:endParaRPr lang="fr-FR"/>
+          </a:p>
+        </p:txBody>
+      </p:sp>
+      <p:sp>
+        <p:nvSpPr>
+          <p:cNvPr id="11" name="Ellipse 10">
+            <a:extLst>
+              <a:ext uri="{FF2B5EF4-FFF2-40B4-BE49-F238E27FC236}">
+                <a16:creationId xmlns:a16="http://schemas.microsoft.com/office/drawing/2014/main" id="{4DAB78B2-C70A-4962-B487-F4A7CEF5454D}"/>
+              </a:ext>
+            </a:extLst>
+          </p:cNvPr>
+          <p:cNvSpPr/>
+          <p:nvPr/>
+        </p:nvSpPr>
+        <p:spPr>
+          <a:xfrm>
+            <a:off x="5021854" y="2341084"/>
+            <a:ext cx="187287" cy="187287"/>
+          </a:xfrm>
+          <a:prstGeom prst="ellipse">
+            <a:avLst/>
+          </a:prstGeom>
+          <a:solidFill>
+            <a:srgbClr val="C00000"/>
+          </a:solidFill>
+          <a:ln>
+            <a:solidFill>
+              <a:srgbClr val="C00000"/>
+            </a:solidFill>
+          </a:ln>
+        </p:spPr>
+        <p:style>
+          <a:lnRef idx="2">
+            <a:schemeClr val="accent1">
+              <a:shade val="50000"/>
+            </a:schemeClr>
+          </a:lnRef>
+          <a:fillRef idx="1">
+            <a:schemeClr val="accent1"/>
+          </a:fillRef>
+          <a:effectRef idx="0">
+            <a:schemeClr val="accent1"/>
+          </a:effectRef>
+          <a:fontRef idx="minor">
+            <a:schemeClr val="lt1"/>
+          </a:fontRef>
+        </p:style>
+        <p:txBody>
+          <a:bodyPr rtlCol="0" anchor="ctr"/>
+          <a:lstStyle/>
+          <a:p>
+            <a:pPr algn="ctr"/>
+            <a:endParaRPr lang="fr-FR"/>
+          </a:p>
+        </p:txBody>
+      </p:sp>
+      <p:sp>
+        <p:nvSpPr>
+          <p:cNvPr id="12" name="Ellipse 11">
+            <a:extLst>
+              <a:ext uri="{FF2B5EF4-FFF2-40B4-BE49-F238E27FC236}">
+                <a16:creationId xmlns:a16="http://schemas.microsoft.com/office/drawing/2014/main" id="{F3E3236D-B21C-48F2-A237-21C56A484486}"/>
+              </a:ext>
+            </a:extLst>
+          </p:cNvPr>
+          <p:cNvSpPr/>
+          <p:nvPr/>
+        </p:nvSpPr>
+        <p:spPr>
+          <a:xfrm>
+            <a:off x="4039516" y="5205471"/>
+            <a:ext cx="187287" cy="187287"/>
+          </a:xfrm>
+          <a:prstGeom prst="ellipse">
+            <a:avLst/>
+          </a:prstGeom>
+          <a:solidFill>
+            <a:srgbClr val="C00000"/>
+          </a:solidFill>
+          <a:ln>
+            <a:solidFill>
+              <a:srgbClr val="C00000"/>
+            </a:solidFill>
+          </a:ln>
+        </p:spPr>
+        <p:style>
+          <a:lnRef idx="2">
+            <a:schemeClr val="accent1">
+              <a:shade val="50000"/>
+            </a:schemeClr>
+          </a:lnRef>
+          <a:fillRef idx="1">
+            <a:schemeClr val="accent1"/>
+          </a:fillRef>
+          <a:effectRef idx="0">
+            <a:schemeClr val="accent1"/>
+          </a:effectRef>
+          <a:fontRef idx="minor">
+            <a:schemeClr val="lt1"/>
+          </a:fontRef>
+        </p:style>
+        <p:txBody>
+          <a:bodyPr rtlCol="0" anchor="ctr"/>
+          <a:lstStyle/>
+          <a:p>
+            <a:pPr algn="ctr"/>
+            <a:endParaRPr lang="fr-FR"/>
+          </a:p>
+        </p:txBody>
+      </p:sp>
+    </p:spTree>
+    <p:extLst>
+      <p:ext uri="{BB962C8B-B14F-4D97-AF65-F5344CB8AC3E}">
+        <p14:creationId xmlns:p14="http://schemas.microsoft.com/office/powerpoint/2010/main" val="862125500"/>
       </p:ext>
     </p:extLst>
   </p:cSld>

--- a/2006/CCMP/PSI_SI_Rugosimetre/images/Figures.pptx
+++ b/2006/CCMP/PSI_SI_Rugosimetre/images/Figures.pptx
@@ -8,6 +8,9 @@
     <p:sldId id="256" r:id="rId2"/>
     <p:sldId id="257" r:id="rId3"/>
     <p:sldId id="258" r:id="rId4"/>
+    <p:sldId id="259" r:id="rId5"/>
+    <p:sldId id="261" r:id="rId6"/>
+    <p:sldId id="260" r:id="rId7"/>
   </p:sldIdLst>
   <p:sldSz cx="12192000" cy="6858000"/>
   <p:notesSz cx="6858000" cy="9144000"/>
@@ -272,7 +275,7 @@
           <a:p>
             <a:fld id="{AEE8A38D-7B7A-476F-BC37-5B257FD47E56}" type="datetimeFigureOut">
               <a:rPr lang="fr-FR" smtClean="0"/>
-              <a:t>20/02/2022</a:t>
+              <a:t>23/02/2022</a:t>
             </a:fld>
             <a:endParaRPr lang="fr-FR"/>
           </a:p>
@@ -470,7 +473,7 @@
           <a:p>
             <a:fld id="{AEE8A38D-7B7A-476F-BC37-5B257FD47E56}" type="datetimeFigureOut">
               <a:rPr lang="fr-FR" smtClean="0"/>
-              <a:t>20/02/2022</a:t>
+              <a:t>23/02/2022</a:t>
             </a:fld>
             <a:endParaRPr lang="fr-FR"/>
           </a:p>
@@ -678,7 +681,7 @@
           <a:p>
             <a:fld id="{AEE8A38D-7B7A-476F-BC37-5B257FD47E56}" type="datetimeFigureOut">
               <a:rPr lang="fr-FR" smtClean="0"/>
-              <a:t>20/02/2022</a:t>
+              <a:t>23/02/2022</a:t>
             </a:fld>
             <a:endParaRPr lang="fr-FR"/>
           </a:p>
@@ -876,7 +879,7 @@
           <a:p>
             <a:fld id="{AEE8A38D-7B7A-476F-BC37-5B257FD47E56}" type="datetimeFigureOut">
               <a:rPr lang="fr-FR" smtClean="0"/>
-              <a:t>20/02/2022</a:t>
+              <a:t>23/02/2022</a:t>
             </a:fld>
             <a:endParaRPr lang="fr-FR"/>
           </a:p>
@@ -1151,7 +1154,7 @@
           <a:p>
             <a:fld id="{AEE8A38D-7B7A-476F-BC37-5B257FD47E56}" type="datetimeFigureOut">
               <a:rPr lang="fr-FR" smtClean="0"/>
-              <a:t>20/02/2022</a:t>
+              <a:t>23/02/2022</a:t>
             </a:fld>
             <a:endParaRPr lang="fr-FR"/>
           </a:p>
@@ -1416,7 +1419,7 @@
           <a:p>
             <a:fld id="{AEE8A38D-7B7A-476F-BC37-5B257FD47E56}" type="datetimeFigureOut">
               <a:rPr lang="fr-FR" smtClean="0"/>
-              <a:t>20/02/2022</a:t>
+              <a:t>23/02/2022</a:t>
             </a:fld>
             <a:endParaRPr lang="fr-FR"/>
           </a:p>
@@ -1828,7 +1831,7 @@
           <a:p>
             <a:fld id="{AEE8A38D-7B7A-476F-BC37-5B257FD47E56}" type="datetimeFigureOut">
               <a:rPr lang="fr-FR" smtClean="0"/>
-              <a:t>20/02/2022</a:t>
+              <a:t>23/02/2022</a:t>
             </a:fld>
             <a:endParaRPr lang="fr-FR"/>
           </a:p>
@@ -1969,7 +1972,7 @@
           <a:p>
             <a:fld id="{AEE8A38D-7B7A-476F-BC37-5B257FD47E56}" type="datetimeFigureOut">
               <a:rPr lang="fr-FR" smtClean="0"/>
-              <a:t>20/02/2022</a:t>
+              <a:t>23/02/2022</a:t>
             </a:fld>
             <a:endParaRPr lang="fr-FR"/>
           </a:p>
@@ -2082,7 +2085,7 @@
           <a:p>
             <a:fld id="{AEE8A38D-7B7A-476F-BC37-5B257FD47E56}" type="datetimeFigureOut">
               <a:rPr lang="fr-FR" smtClean="0"/>
-              <a:t>20/02/2022</a:t>
+              <a:t>23/02/2022</a:t>
             </a:fld>
             <a:endParaRPr lang="fr-FR"/>
           </a:p>
@@ -2393,7 +2396,7 @@
           <a:p>
             <a:fld id="{AEE8A38D-7B7A-476F-BC37-5B257FD47E56}" type="datetimeFigureOut">
               <a:rPr lang="fr-FR" smtClean="0"/>
-              <a:t>20/02/2022</a:t>
+              <a:t>23/02/2022</a:t>
             </a:fld>
             <a:endParaRPr lang="fr-FR"/>
           </a:p>
@@ -2681,7 +2684,7 @@
           <a:p>
             <a:fld id="{AEE8A38D-7B7A-476F-BC37-5B257FD47E56}" type="datetimeFigureOut">
               <a:rPr lang="fr-FR" smtClean="0"/>
-              <a:t>20/02/2022</a:t>
+              <a:t>23/02/2022</a:t>
             </a:fld>
             <a:endParaRPr lang="fr-FR"/>
           </a:p>
@@ -2922,7 +2925,7 @@
           <a:p>
             <a:fld id="{AEE8A38D-7B7A-476F-BC37-5B257FD47E56}" type="datetimeFigureOut">
               <a:rPr lang="fr-FR" smtClean="0"/>
-              <a:t>20/02/2022</a:t>
+              <a:t>23/02/2022</a:t>
             </a:fld>
             <a:endParaRPr lang="fr-FR"/>
           </a:p>
@@ -7303,6 +7306,736 @@
 </p:sld>
 </file>
 
+<file path=ppt/slides/slide4.xml><?xml version="1.0" encoding="utf-8"?>
+<p:sld xmlns:a="http://schemas.openxmlformats.org/drawingml/2006/main" xmlns:r="http://schemas.openxmlformats.org/officeDocument/2006/relationships" xmlns:p="http://schemas.openxmlformats.org/presentationml/2006/main">
+  <p:cSld>
+    <p:spTree>
+      <p:nvGrpSpPr>
+        <p:cNvPr id="1" name=""/>
+        <p:cNvGrpSpPr/>
+        <p:nvPr/>
+      </p:nvGrpSpPr>
+      <p:grpSpPr>
+        <a:xfrm>
+          <a:off x="0" y="0"/>
+          <a:ext cx="0" cy="0"/>
+          <a:chOff x="0" y="0"/>
+          <a:chExt cx="0" cy="0"/>
+        </a:xfrm>
+      </p:grpSpPr>
+      <p:pic>
+        <p:nvPicPr>
+          <p:cNvPr id="5" name="Image 4">
+            <a:extLst>
+              <a:ext uri="{FF2B5EF4-FFF2-40B4-BE49-F238E27FC236}">
+                <a16:creationId xmlns:a16="http://schemas.microsoft.com/office/drawing/2014/main" id="{63E76290-C467-4729-9211-26D96CBF4C7E}"/>
+              </a:ext>
+            </a:extLst>
+          </p:cNvPr>
+          <p:cNvPicPr>
+            <a:picLocks noChangeAspect="1"/>
+          </p:cNvPicPr>
+          <p:nvPr/>
+        </p:nvPicPr>
+        <p:blipFill>
+          <a:blip r:embed="rId2">
+            <a:extLst>
+              <a:ext uri="{28A0092B-C50C-407E-A947-70E740481C1C}">
+                <a14:useLocalDpi xmlns:a14="http://schemas.microsoft.com/office/drawing/2010/main" val="0"/>
+              </a:ext>
+            </a:extLst>
+          </a:blip>
+          <a:stretch>
+            <a:fillRect/>
+          </a:stretch>
+        </p:blipFill>
+        <p:spPr>
+          <a:xfrm>
+            <a:off x="324600" y="365754"/>
+            <a:ext cx="11542799" cy="6126492"/>
+          </a:xfrm>
+          <a:prstGeom prst="rect">
+            <a:avLst/>
+          </a:prstGeom>
+        </p:spPr>
+      </p:pic>
+      <p:cxnSp>
+        <p:nvCxnSpPr>
+          <p:cNvPr id="7" name="Connecteur droit 6">
+            <a:extLst>
+              <a:ext uri="{FF2B5EF4-FFF2-40B4-BE49-F238E27FC236}">
+                <a16:creationId xmlns:a16="http://schemas.microsoft.com/office/drawing/2014/main" id="{042CA767-E5D9-4F8D-B56A-14BB04F9D54C}"/>
+              </a:ext>
+            </a:extLst>
+          </p:cNvPr>
+          <p:cNvCxnSpPr/>
+          <p:nvPr/>
+        </p:nvCxnSpPr>
+        <p:spPr>
+          <a:xfrm>
+            <a:off x="914400" y="576943"/>
+            <a:ext cx="10733314" cy="0"/>
+          </a:xfrm>
+          <a:prstGeom prst="line">
+            <a:avLst/>
+          </a:prstGeom>
+          <a:ln w="28575">
+            <a:solidFill>
+              <a:srgbClr val="00B050"/>
+            </a:solidFill>
+          </a:ln>
+        </p:spPr>
+        <p:style>
+          <a:lnRef idx="1">
+            <a:schemeClr val="accent1"/>
+          </a:lnRef>
+          <a:fillRef idx="0">
+            <a:schemeClr val="accent1"/>
+          </a:fillRef>
+          <a:effectRef idx="0">
+            <a:schemeClr val="accent1"/>
+          </a:effectRef>
+          <a:fontRef idx="minor">
+            <a:schemeClr val="tx1"/>
+          </a:fontRef>
+        </p:style>
+      </p:cxnSp>
+      <p:cxnSp>
+        <p:nvCxnSpPr>
+          <p:cNvPr id="8" name="Connecteur droit 7">
+            <a:extLst>
+              <a:ext uri="{FF2B5EF4-FFF2-40B4-BE49-F238E27FC236}">
+                <a16:creationId xmlns:a16="http://schemas.microsoft.com/office/drawing/2014/main" id="{B4B3E9CF-4D32-4C21-B77D-F614423BBE74}"/>
+              </a:ext>
+            </a:extLst>
+          </p:cNvPr>
+          <p:cNvCxnSpPr/>
+          <p:nvPr/>
+        </p:nvCxnSpPr>
+        <p:spPr>
+          <a:xfrm>
+            <a:off x="914400" y="5442857"/>
+            <a:ext cx="10733314" cy="0"/>
+          </a:xfrm>
+          <a:prstGeom prst="line">
+            <a:avLst/>
+          </a:prstGeom>
+          <a:ln w="28575">
+            <a:solidFill>
+              <a:srgbClr val="00B050"/>
+            </a:solidFill>
+          </a:ln>
+        </p:spPr>
+        <p:style>
+          <a:lnRef idx="1">
+            <a:schemeClr val="accent1"/>
+          </a:lnRef>
+          <a:fillRef idx="0">
+            <a:schemeClr val="accent1"/>
+          </a:fillRef>
+          <a:effectRef idx="0">
+            <a:schemeClr val="accent1"/>
+          </a:effectRef>
+          <a:fontRef idx="minor">
+            <a:schemeClr val="tx1"/>
+          </a:fontRef>
+        </p:style>
+      </p:cxnSp>
+      <p:cxnSp>
+        <p:nvCxnSpPr>
+          <p:cNvPr id="9" name="Connecteur droit 8">
+            <a:extLst>
+              <a:ext uri="{FF2B5EF4-FFF2-40B4-BE49-F238E27FC236}">
+                <a16:creationId xmlns:a16="http://schemas.microsoft.com/office/drawing/2014/main" id="{2C55FC99-FB47-4A5C-AC36-6FC442CE2791}"/>
+              </a:ext>
+            </a:extLst>
+          </p:cNvPr>
+          <p:cNvCxnSpPr>
+            <a:cxnSpLocks/>
+          </p:cNvCxnSpPr>
+          <p:nvPr/>
+        </p:nvCxnSpPr>
+        <p:spPr>
+          <a:xfrm flipV="1">
+            <a:off x="6215743" y="576943"/>
+            <a:ext cx="0" cy="1153886"/>
+          </a:xfrm>
+          <a:prstGeom prst="line">
+            <a:avLst/>
+          </a:prstGeom>
+          <a:ln w="28575">
+            <a:solidFill>
+              <a:srgbClr val="C00000"/>
+            </a:solidFill>
+            <a:tailEnd type="stealth" w="med" len="lg"/>
+          </a:ln>
+        </p:spPr>
+        <p:style>
+          <a:lnRef idx="1">
+            <a:schemeClr val="accent1"/>
+          </a:lnRef>
+          <a:fillRef idx="0">
+            <a:schemeClr val="accent1"/>
+          </a:fillRef>
+          <a:effectRef idx="0">
+            <a:schemeClr val="accent1"/>
+          </a:effectRef>
+          <a:fontRef idx="minor">
+            <a:schemeClr val="tx1"/>
+          </a:fontRef>
+        </p:style>
+      </p:cxnSp>
+      <mc:AlternateContent xmlns:mc="http://schemas.openxmlformats.org/markup-compatibility/2006">
+        <mc:Choice xmlns:a14="http://schemas.microsoft.com/office/drawing/2010/main" Requires="a14">
+          <p:sp>
+            <p:nvSpPr>
+              <p:cNvPr id="13" name="ZoneTexte 12">
+                <a:extLst>
+                  <a:ext uri="{FF2B5EF4-FFF2-40B4-BE49-F238E27FC236}">
+                    <a16:creationId xmlns:a16="http://schemas.microsoft.com/office/drawing/2014/main" id="{BB4456ED-F53B-40A1-9D3B-D6B4006EE45D}"/>
+                  </a:ext>
+                </a:extLst>
+              </p:cNvPr>
+              <p:cNvSpPr txBox="1"/>
+              <p:nvPr/>
+            </p:nvSpPr>
+            <p:spPr>
+              <a:xfrm>
+                <a:off x="6215743" y="969220"/>
+                <a:ext cx="1099458" cy="369332"/>
+              </a:xfrm>
+              <a:prstGeom prst="rect">
+                <a:avLst/>
+              </a:prstGeom>
+              <a:noFill/>
+            </p:spPr>
+            <p:txBody>
+              <a:bodyPr wrap="square" rtlCol="0">
+                <a:spAutoFit/>
+              </a:bodyPr>
+              <a:lstStyle/>
+              <a:p>
+                <a14:m>
+                  <m:oMathPara xmlns:m="http://schemas.openxmlformats.org/officeDocument/2006/math">
+                    <m:oMathParaPr>
+                      <m:jc m:val="centerGroup"/>
+                    </m:oMathParaPr>
+                    <m:oMath xmlns:m="http://schemas.openxmlformats.org/officeDocument/2006/math">
+                      <m:r>
+                        <a:rPr lang="fr-FR" b="0" i="1" smtClean="0">
+                          <a:latin typeface="Cambria Math" panose="02040503050406030204" pitchFamily="18" charset="0"/>
+                        </a:rPr>
+                        <m:t>+54 </m:t>
+                      </m:r>
+                      <m:r>
+                        <m:rPr>
+                          <m:sty m:val="p"/>
+                        </m:rPr>
+                        <a:rPr lang="fr-FR" b="0" i="0" smtClean="0">
+                          <a:latin typeface="Cambria Math" panose="02040503050406030204" pitchFamily="18" charset="0"/>
+                        </a:rPr>
+                        <m:t>dB</m:t>
+                      </m:r>
+                    </m:oMath>
+                  </m:oMathPara>
+                </a14:m>
+                <a:endParaRPr lang="fr-FR" dirty="0"/>
+              </a:p>
+            </p:txBody>
+          </p:sp>
+        </mc:Choice>
+        <mc:Fallback>
+          <p:sp>
+            <p:nvSpPr>
+              <p:cNvPr id="13" name="ZoneTexte 12">
+                <a:extLst>
+                  <a:ext uri="{FF2B5EF4-FFF2-40B4-BE49-F238E27FC236}">
+                    <a16:creationId xmlns:a16="http://schemas.microsoft.com/office/drawing/2014/main" id="{BB4456ED-F53B-40A1-9D3B-D6B4006EE45D}"/>
+                  </a:ext>
+                </a:extLst>
+              </p:cNvPr>
+              <p:cNvSpPr txBox="1">
+                <a:spLocks noRot="1" noChangeAspect="1" noMove="1" noResize="1" noEditPoints="1" noAdjustHandles="1" noChangeArrowheads="1" noChangeShapeType="1" noTextEdit="1"/>
+              </p:cNvSpPr>
+              <p:nvPr/>
+            </p:nvSpPr>
+            <p:spPr>
+              <a:xfrm>
+                <a:off x="6215743" y="969220"/>
+                <a:ext cx="1099458" cy="369332"/>
+              </a:xfrm>
+              <a:prstGeom prst="rect">
+                <a:avLst/>
+              </a:prstGeom>
+              <a:blipFill>
+                <a:blip r:embed="rId3"/>
+                <a:stretch>
+                  <a:fillRect/>
+                </a:stretch>
+              </a:blipFill>
+            </p:spPr>
+            <p:txBody>
+              <a:bodyPr/>
+              <a:lstStyle/>
+              <a:p>
+                <a:r>
+                  <a:rPr lang="fr-FR">
+                    <a:noFill/>
+                  </a:rPr>
+                  <a:t> </a:t>
+                </a:r>
+              </a:p>
+            </p:txBody>
+          </p:sp>
+        </mc:Fallback>
+      </mc:AlternateContent>
+    </p:spTree>
+    <p:extLst>
+      <p:ext uri="{BB962C8B-B14F-4D97-AF65-F5344CB8AC3E}">
+        <p14:creationId xmlns:p14="http://schemas.microsoft.com/office/powerpoint/2010/main" val="1633501127"/>
+      </p:ext>
+    </p:extLst>
+  </p:cSld>
+  <p:clrMapOvr>
+    <a:masterClrMapping/>
+  </p:clrMapOvr>
+</p:sld>
+</file>
+
+<file path=ppt/slides/slide5.xml><?xml version="1.0" encoding="utf-8"?>
+<p:sld xmlns:a="http://schemas.openxmlformats.org/drawingml/2006/main" xmlns:r="http://schemas.openxmlformats.org/officeDocument/2006/relationships" xmlns:p="http://schemas.openxmlformats.org/presentationml/2006/main">
+  <p:cSld>
+    <p:spTree>
+      <p:nvGrpSpPr>
+        <p:cNvPr id="1" name=""/>
+        <p:cNvGrpSpPr/>
+        <p:nvPr/>
+      </p:nvGrpSpPr>
+      <p:grpSpPr>
+        <a:xfrm>
+          <a:off x="0" y="0"/>
+          <a:ext cx="0" cy="0"/>
+          <a:chOff x="0" y="0"/>
+          <a:chExt cx="0" cy="0"/>
+        </a:xfrm>
+      </p:grpSpPr>
+      <p:pic>
+        <p:nvPicPr>
+          <p:cNvPr id="5" name="Image 4">
+            <a:extLst>
+              <a:ext uri="{FF2B5EF4-FFF2-40B4-BE49-F238E27FC236}">
+                <a16:creationId xmlns:a16="http://schemas.microsoft.com/office/drawing/2014/main" id="{63E76290-C467-4729-9211-26D96CBF4C7E}"/>
+              </a:ext>
+            </a:extLst>
+          </p:cNvPr>
+          <p:cNvPicPr>
+            <a:picLocks noChangeAspect="1"/>
+          </p:cNvPicPr>
+          <p:nvPr/>
+        </p:nvPicPr>
+        <p:blipFill>
+          <a:blip r:embed="rId2">
+            <a:extLst>
+              <a:ext uri="{28A0092B-C50C-407E-A947-70E740481C1C}">
+                <a14:useLocalDpi xmlns:a14="http://schemas.microsoft.com/office/drawing/2010/main" val="0"/>
+              </a:ext>
+            </a:extLst>
+          </a:blip>
+          <a:stretch>
+            <a:fillRect/>
+          </a:stretch>
+        </p:blipFill>
+        <p:spPr>
+          <a:xfrm>
+            <a:off x="324600" y="365754"/>
+            <a:ext cx="11542799" cy="6126492"/>
+          </a:xfrm>
+          <a:prstGeom prst="rect">
+            <a:avLst/>
+          </a:prstGeom>
+        </p:spPr>
+      </p:pic>
+      <p:cxnSp>
+        <p:nvCxnSpPr>
+          <p:cNvPr id="7" name="Connecteur droit 6">
+            <a:extLst>
+              <a:ext uri="{FF2B5EF4-FFF2-40B4-BE49-F238E27FC236}">
+                <a16:creationId xmlns:a16="http://schemas.microsoft.com/office/drawing/2014/main" id="{042CA767-E5D9-4F8D-B56A-14BB04F9D54C}"/>
+              </a:ext>
+            </a:extLst>
+          </p:cNvPr>
+          <p:cNvCxnSpPr/>
+          <p:nvPr/>
+        </p:nvCxnSpPr>
+        <p:spPr>
+          <a:xfrm>
+            <a:off x="914400" y="576943"/>
+            <a:ext cx="10733314" cy="0"/>
+          </a:xfrm>
+          <a:prstGeom prst="line">
+            <a:avLst/>
+          </a:prstGeom>
+          <a:ln w="28575">
+            <a:solidFill>
+              <a:srgbClr val="00B050"/>
+            </a:solidFill>
+          </a:ln>
+        </p:spPr>
+        <p:style>
+          <a:lnRef idx="1">
+            <a:schemeClr val="accent1"/>
+          </a:lnRef>
+          <a:fillRef idx="0">
+            <a:schemeClr val="accent1"/>
+          </a:fillRef>
+          <a:effectRef idx="0">
+            <a:schemeClr val="accent1"/>
+          </a:effectRef>
+          <a:fontRef idx="minor">
+            <a:schemeClr val="tx1"/>
+          </a:fontRef>
+        </p:style>
+      </p:cxnSp>
+      <p:cxnSp>
+        <p:nvCxnSpPr>
+          <p:cNvPr id="8" name="Connecteur droit 7">
+            <a:extLst>
+              <a:ext uri="{FF2B5EF4-FFF2-40B4-BE49-F238E27FC236}">
+                <a16:creationId xmlns:a16="http://schemas.microsoft.com/office/drawing/2014/main" id="{B4B3E9CF-4D32-4C21-B77D-F614423BBE74}"/>
+              </a:ext>
+            </a:extLst>
+          </p:cNvPr>
+          <p:cNvCxnSpPr/>
+          <p:nvPr/>
+        </p:nvCxnSpPr>
+        <p:spPr>
+          <a:xfrm>
+            <a:off x="914400" y="5442857"/>
+            <a:ext cx="10733314" cy="0"/>
+          </a:xfrm>
+          <a:prstGeom prst="line">
+            <a:avLst/>
+          </a:prstGeom>
+          <a:ln w="28575">
+            <a:solidFill>
+              <a:srgbClr val="00B050"/>
+            </a:solidFill>
+          </a:ln>
+        </p:spPr>
+        <p:style>
+          <a:lnRef idx="1">
+            <a:schemeClr val="accent1"/>
+          </a:lnRef>
+          <a:fillRef idx="0">
+            <a:schemeClr val="accent1"/>
+          </a:fillRef>
+          <a:effectRef idx="0">
+            <a:schemeClr val="accent1"/>
+          </a:effectRef>
+          <a:fontRef idx="minor">
+            <a:schemeClr val="tx1"/>
+          </a:fontRef>
+        </p:style>
+      </p:cxnSp>
+      <p:cxnSp>
+        <p:nvCxnSpPr>
+          <p:cNvPr id="9" name="Connecteur droit 8">
+            <a:extLst>
+              <a:ext uri="{FF2B5EF4-FFF2-40B4-BE49-F238E27FC236}">
+                <a16:creationId xmlns:a16="http://schemas.microsoft.com/office/drawing/2014/main" id="{2C55FC99-FB47-4A5C-AC36-6FC442CE2791}"/>
+              </a:ext>
+            </a:extLst>
+          </p:cNvPr>
+          <p:cNvCxnSpPr>
+            <a:cxnSpLocks/>
+          </p:cNvCxnSpPr>
+          <p:nvPr/>
+        </p:nvCxnSpPr>
+        <p:spPr>
+          <a:xfrm flipV="1">
+            <a:off x="5943600" y="587831"/>
+            <a:ext cx="0" cy="1153886"/>
+          </a:xfrm>
+          <a:prstGeom prst="line">
+            <a:avLst/>
+          </a:prstGeom>
+          <a:ln w="28575">
+            <a:solidFill>
+              <a:srgbClr val="C00000"/>
+            </a:solidFill>
+            <a:tailEnd type="stealth" w="med" len="lg"/>
+          </a:ln>
+        </p:spPr>
+        <p:style>
+          <a:lnRef idx="1">
+            <a:schemeClr val="accent1"/>
+          </a:lnRef>
+          <a:fillRef idx="0">
+            <a:schemeClr val="accent1"/>
+          </a:fillRef>
+          <a:effectRef idx="0">
+            <a:schemeClr val="accent1"/>
+          </a:effectRef>
+          <a:fontRef idx="minor">
+            <a:schemeClr val="tx1"/>
+          </a:fontRef>
+        </p:style>
+      </p:cxnSp>
+      <mc:AlternateContent xmlns:mc="http://schemas.openxmlformats.org/markup-compatibility/2006">
+        <mc:Choice xmlns:a14="http://schemas.microsoft.com/office/drawing/2010/main" Requires="a14">
+          <p:sp>
+            <p:nvSpPr>
+              <p:cNvPr id="13" name="ZoneTexte 12">
+                <a:extLst>
+                  <a:ext uri="{FF2B5EF4-FFF2-40B4-BE49-F238E27FC236}">
+                    <a16:creationId xmlns:a16="http://schemas.microsoft.com/office/drawing/2014/main" id="{BB4456ED-F53B-40A1-9D3B-D6B4006EE45D}"/>
+                  </a:ext>
+                </a:extLst>
+              </p:cNvPr>
+              <p:cNvSpPr txBox="1"/>
+              <p:nvPr/>
+            </p:nvSpPr>
+            <p:spPr>
+              <a:xfrm>
+                <a:off x="1132114" y="916972"/>
+                <a:ext cx="2188027" cy="369332"/>
+              </a:xfrm>
+              <a:prstGeom prst="rect">
+                <a:avLst/>
+              </a:prstGeom>
+              <a:noFill/>
+            </p:spPr>
+            <p:txBody>
+              <a:bodyPr wrap="square" rtlCol="0">
+                <a:spAutoFit/>
+              </a:bodyPr>
+              <a:lstStyle/>
+              <a:p>
+                <a14:m>
+                  <m:oMath xmlns:m="http://schemas.openxmlformats.org/officeDocument/2006/math">
+                    <m:r>
+                      <a:rPr lang="fr-FR" b="0" i="1" smtClean="0">
+                        <a:latin typeface="Cambria Math" panose="02040503050406030204" pitchFamily="18" charset="0"/>
+                      </a:rPr>
+                      <m:t>0</m:t>
+                    </m:r>
+                    <m:r>
+                      <m:rPr>
+                        <m:sty m:val="p"/>
+                      </m:rPr>
+                      <a:rPr lang="fr-FR" b="0" i="0" smtClean="0">
+                        <a:latin typeface="Cambria Math" panose="02040503050406030204" pitchFamily="18" charset="0"/>
+                      </a:rPr>
+                      <m:t>dB</m:t>
+                    </m:r>
+                  </m:oMath>
+                </a14:m>
+                <a:r>
+                  <a:rPr lang="fr-FR" dirty="0"/>
+                  <a:t> pour </a:t>
+                </a:r>
+                <a14:m>
+                  <m:oMath xmlns:m="http://schemas.openxmlformats.org/officeDocument/2006/math">
+                    <m:sSup>
+                      <m:sSupPr>
+                        <m:ctrlPr>
+                          <a:rPr lang="fr-FR" b="0" i="1" smtClean="0">
+                            <a:latin typeface="Cambria Math" panose="02040503050406030204" pitchFamily="18" charset="0"/>
+                          </a:rPr>
+                        </m:ctrlPr>
+                      </m:sSupPr>
+                      <m:e>
+                        <m:r>
+                          <a:rPr lang="fr-FR" b="0" i="1" smtClean="0">
+                            <a:latin typeface="Cambria Math" panose="02040503050406030204" pitchFamily="18" charset="0"/>
+                          </a:rPr>
+                          <m:t>10</m:t>
+                        </m:r>
+                      </m:e>
+                      <m:sup>
+                        <m:r>
+                          <a:rPr lang="fr-FR" b="0" i="1" smtClean="0">
+                            <a:latin typeface="Cambria Math" panose="02040503050406030204" pitchFamily="18" charset="0"/>
+                          </a:rPr>
+                          <m:t>−1</m:t>
+                        </m:r>
+                      </m:sup>
+                    </m:sSup>
+                  </m:oMath>
+                </a14:m>
+                <a:r>
+                  <a:rPr lang="fr-FR" dirty="0"/>
+                  <a:t> rad/s</a:t>
+                </a:r>
+              </a:p>
+            </p:txBody>
+          </p:sp>
+        </mc:Choice>
+        <mc:Fallback>
+          <p:sp>
+            <p:nvSpPr>
+              <p:cNvPr id="13" name="ZoneTexte 12">
+                <a:extLst>
+                  <a:ext uri="{FF2B5EF4-FFF2-40B4-BE49-F238E27FC236}">
+                    <a16:creationId xmlns:a16="http://schemas.microsoft.com/office/drawing/2014/main" id="{BB4456ED-F53B-40A1-9D3B-D6B4006EE45D}"/>
+                  </a:ext>
+                </a:extLst>
+              </p:cNvPr>
+              <p:cNvSpPr txBox="1">
+                <a:spLocks noRot="1" noChangeAspect="1" noMove="1" noResize="1" noEditPoints="1" noAdjustHandles="1" noChangeArrowheads="1" noChangeShapeType="1" noTextEdit="1"/>
+              </p:cNvSpPr>
+              <p:nvPr/>
+            </p:nvSpPr>
+            <p:spPr>
+              <a:xfrm>
+                <a:off x="1132114" y="916972"/>
+                <a:ext cx="2188027" cy="369332"/>
+              </a:xfrm>
+              <a:prstGeom prst="rect">
+                <a:avLst/>
+              </a:prstGeom>
+              <a:blipFill>
+                <a:blip r:embed="rId3"/>
+                <a:stretch>
+                  <a:fillRect t="-8197" r="-279" b="-24590"/>
+                </a:stretch>
+              </a:blipFill>
+            </p:spPr>
+            <p:txBody>
+              <a:bodyPr/>
+              <a:lstStyle/>
+              <a:p>
+                <a:r>
+                  <a:rPr lang="fr-FR">
+                    <a:noFill/>
+                  </a:rPr>
+                  <a:t> </a:t>
+                </a:r>
+              </a:p>
+            </p:txBody>
+          </p:sp>
+        </mc:Fallback>
+      </mc:AlternateContent>
+      <p:cxnSp>
+        <p:nvCxnSpPr>
+          <p:cNvPr id="10" name="Connecteur droit 9">
+            <a:extLst>
+              <a:ext uri="{FF2B5EF4-FFF2-40B4-BE49-F238E27FC236}">
+                <a16:creationId xmlns:a16="http://schemas.microsoft.com/office/drawing/2014/main" id="{53958744-0F92-4549-A0EA-0AF28BDE0D82}"/>
+              </a:ext>
+            </a:extLst>
+          </p:cNvPr>
+          <p:cNvCxnSpPr/>
+          <p:nvPr/>
+        </p:nvCxnSpPr>
+        <p:spPr>
+          <a:xfrm>
+            <a:off x="914400" y="5181600"/>
+            <a:ext cx="10733314" cy="0"/>
+          </a:xfrm>
+          <a:prstGeom prst="line">
+            <a:avLst/>
+          </a:prstGeom>
+          <a:ln w="28575">
+            <a:solidFill>
+              <a:srgbClr val="00B050"/>
+            </a:solidFill>
+          </a:ln>
+        </p:spPr>
+        <p:style>
+          <a:lnRef idx="1">
+            <a:schemeClr val="accent1"/>
+          </a:lnRef>
+          <a:fillRef idx="0">
+            <a:schemeClr val="accent1"/>
+          </a:fillRef>
+          <a:effectRef idx="0">
+            <a:schemeClr val="accent1"/>
+          </a:effectRef>
+          <a:fontRef idx="minor">
+            <a:schemeClr val="tx1"/>
+          </a:fontRef>
+        </p:style>
+      </p:cxnSp>
+    </p:spTree>
+    <p:extLst>
+      <p:ext uri="{BB962C8B-B14F-4D97-AF65-F5344CB8AC3E}">
+        <p14:creationId xmlns:p14="http://schemas.microsoft.com/office/powerpoint/2010/main" val="864826736"/>
+      </p:ext>
+    </p:extLst>
+  </p:cSld>
+  <p:clrMapOvr>
+    <a:masterClrMapping/>
+  </p:clrMapOvr>
+</p:sld>
+</file>
+
+<file path=ppt/slides/slide6.xml><?xml version="1.0" encoding="utf-8"?>
+<p:sld xmlns:a="http://schemas.openxmlformats.org/drawingml/2006/main" xmlns:r="http://schemas.openxmlformats.org/officeDocument/2006/relationships" xmlns:p="http://schemas.openxmlformats.org/presentationml/2006/main">
+  <p:cSld>
+    <p:spTree>
+      <p:nvGrpSpPr>
+        <p:cNvPr id="1" name=""/>
+        <p:cNvGrpSpPr/>
+        <p:nvPr/>
+      </p:nvGrpSpPr>
+      <p:grpSpPr>
+        <a:xfrm>
+          <a:off x="0" y="0"/>
+          <a:ext cx="0" cy="0"/>
+          <a:chOff x="0" y="0"/>
+          <a:chExt cx="0" cy="0"/>
+        </a:xfrm>
+      </p:grpSpPr>
+      <p:pic>
+        <p:nvPicPr>
+          <p:cNvPr id="5" name="Image 4">
+            <a:extLst>
+              <a:ext uri="{FF2B5EF4-FFF2-40B4-BE49-F238E27FC236}">
+                <a16:creationId xmlns:a16="http://schemas.microsoft.com/office/drawing/2014/main" id="{63E76290-C467-4729-9211-26D96CBF4C7E}"/>
+              </a:ext>
+            </a:extLst>
+          </p:cNvPr>
+          <p:cNvPicPr>
+            <a:picLocks noChangeAspect="1"/>
+          </p:cNvPicPr>
+          <p:nvPr/>
+        </p:nvPicPr>
+        <p:blipFill>
+          <a:blip r:embed="rId2">
+            <a:extLst>
+              <a:ext uri="{28A0092B-C50C-407E-A947-70E740481C1C}">
+                <a14:useLocalDpi xmlns:a14="http://schemas.microsoft.com/office/drawing/2010/main" val="0"/>
+              </a:ext>
+            </a:extLst>
+          </a:blip>
+          <a:stretch>
+            <a:fillRect/>
+          </a:stretch>
+        </p:blipFill>
+        <p:spPr>
+          <a:xfrm>
+            <a:off x="324600" y="365754"/>
+            <a:ext cx="11542799" cy="6126492"/>
+          </a:xfrm>
+          <a:prstGeom prst="rect">
+            <a:avLst/>
+          </a:prstGeom>
+        </p:spPr>
+      </p:pic>
+    </p:spTree>
+    <p:extLst>
+      <p:ext uri="{BB962C8B-B14F-4D97-AF65-F5344CB8AC3E}">
+        <p14:creationId xmlns:p14="http://schemas.microsoft.com/office/powerpoint/2010/main" val="3970021217"/>
+      </p:ext>
+    </p:extLst>
+  </p:cSld>
+  <p:clrMapOvr>
+    <a:masterClrMapping/>
+  </p:clrMapOvr>
+</p:sld>
+</file>
+
 <file path=ppt/theme/theme1.xml><?xml version="1.0" encoding="utf-8"?>
 <a:theme xmlns:a="http://schemas.openxmlformats.org/drawingml/2006/main" name="Thème Office">
   <a:themeElements>
